--- a/Presentation/ppt 6.pptx
+++ b/Presentation/ppt 6.pptx
@@ -5,10 +5,10 @@
     <p:sldMasterId id="2147483660" r:id="rId4"/>
   </p:sldMasterIdLst>
   <p:notesMasterIdLst>
-    <p:notesMasterId r:id="rId17"/>
+    <p:notesMasterId r:id="rId25"/>
   </p:notesMasterIdLst>
   <p:handoutMasterIdLst>
-    <p:handoutMasterId r:id="rId18"/>
+    <p:handoutMasterId r:id="rId26"/>
   </p:handoutMasterIdLst>
   <p:sldIdLst>
     <p:sldId id="298" r:id="rId5"/>
@@ -23,6 +23,14 @@
     <p:sldId id="309" r:id="rId14"/>
     <p:sldId id="310" r:id="rId15"/>
     <p:sldId id="311" r:id="rId16"/>
+    <p:sldId id="312" r:id="rId17"/>
+    <p:sldId id="313" r:id="rId18"/>
+    <p:sldId id="314" r:id="rId19"/>
+    <p:sldId id="315" r:id="rId20"/>
+    <p:sldId id="316" r:id="rId21"/>
+    <p:sldId id="317" r:id="rId22"/>
+    <p:sldId id="318" r:id="rId23"/>
+    <p:sldId id="319" r:id="rId24"/>
   </p:sldIdLst>
   <p:sldSz cx="12192000" cy="6858000"/>
   <p:notesSz cx="6858000" cy="9144000"/>
@@ -6432,7 +6440,7 @@
                         <a:lstStyle/>
                         <a:p>
                           <a:r>
-                            <a:rPr lang="en-US" altLang="ja-JP">
+                            <a:rPr lang="en-US" altLang="ja-JP" dirty="0">
                               <a:effectLst/>
                             </a:rPr>
                             <a:t>18</a:t>
@@ -10716,6 +10724,3479 @@
 </p:sld>
 </file>
 
+<file path=ppt/slides/slide13.xml><?xml version="1.0" encoding="utf-8"?>
+<p:sld xmlns:a="http://schemas.openxmlformats.org/drawingml/2006/main" xmlns:r="http://schemas.openxmlformats.org/officeDocument/2006/relationships" xmlns:p="http://schemas.openxmlformats.org/presentationml/2006/main">
+  <p:cSld>
+    <p:spTree>
+      <p:nvGrpSpPr>
+        <p:cNvPr id="1" name=""/>
+        <p:cNvGrpSpPr/>
+        <p:nvPr/>
+      </p:nvGrpSpPr>
+      <p:grpSpPr>
+        <a:xfrm>
+          <a:off x="0" y="0"/>
+          <a:ext cx="0" cy="0"/>
+          <a:chOff x="0" y="0"/>
+          <a:chExt cx="0" cy="0"/>
+        </a:xfrm>
+      </p:grpSpPr>
+      <p:sp>
+        <p:nvSpPr>
+          <p:cNvPr id="2" name="タイトル 1">
+            <a:extLst>
+              <a:ext uri="{FF2B5EF4-FFF2-40B4-BE49-F238E27FC236}">
+                <a16:creationId xmlns:a16="http://schemas.microsoft.com/office/drawing/2014/main" id="{B4994ADF-ED62-92D5-57C4-06F2C6CFADF0}"/>
+              </a:ext>
+            </a:extLst>
+          </p:cNvPr>
+          <p:cNvSpPr>
+            <a:spLocks noGrp="1"/>
+          </p:cNvSpPr>
+          <p:nvPr>
+            <p:ph type="title"/>
+          </p:nvPr>
+        </p:nvSpPr>
+        <p:spPr/>
+        <p:txBody>
+          <a:bodyPr/>
+          <a:lstStyle/>
+          <a:p>
+            <a:r>
+              <a:rPr kumimoji="1" lang="en-US" altLang="ja-JP" dirty="0" err="1"/>
+              <a:t>Softmax</a:t>
+            </a:r>
+            <a:r>
+              <a:rPr kumimoji="1" lang="en-US" altLang="ja-JP" dirty="0"/>
+              <a:t> Regression</a:t>
+            </a:r>
+            <a:endParaRPr kumimoji="1" lang="ja-JP" altLang="en-US" dirty="0"/>
+          </a:p>
+        </p:txBody>
+      </p:sp>
+      <p:sp>
+        <p:nvSpPr>
+          <p:cNvPr id="3" name="コンテンツ プレースホルダー 2">
+            <a:extLst>
+              <a:ext uri="{FF2B5EF4-FFF2-40B4-BE49-F238E27FC236}">
+                <a16:creationId xmlns:a16="http://schemas.microsoft.com/office/drawing/2014/main" id="{7DB8462D-0D63-5073-D271-D0EB062D7154}"/>
+              </a:ext>
+            </a:extLst>
+          </p:cNvPr>
+          <p:cNvSpPr>
+            <a:spLocks noGrp="1"/>
+          </p:cNvSpPr>
+          <p:nvPr>
+            <p:ph idx="1"/>
+          </p:nvPr>
+        </p:nvSpPr>
+        <p:spPr/>
+        <p:txBody>
+          <a:bodyPr/>
+          <a:lstStyle/>
+          <a:p>
+            <a:r>
+              <a:rPr lang="ja-JP" altLang="en-US" dirty="0"/>
+              <a:t>三つ以上の選択肢の中、一つを選ぶ、　多クラス分類</a:t>
+            </a:r>
+            <a:r>
+              <a:rPr lang="en-US" altLang="ja-JP" dirty="0"/>
+              <a:t>(Multi-class</a:t>
+            </a:r>
+            <a:r>
+              <a:rPr lang="ko-KR" altLang="en-US" dirty="0"/>
+              <a:t> </a:t>
+            </a:r>
+            <a:r>
+              <a:rPr lang="en-US" altLang="ko-KR" dirty="0"/>
+              <a:t>Classification)</a:t>
+            </a:r>
+            <a:r>
+              <a:rPr lang="ja-JP" altLang="en-US" dirty="0"/>
+              <a:t>問題を解くための方法。</a:t>
+            </a:r>
+            <a:endParaRPr lang="en-US" altLang="ja-JP" dirty="0"/>
+          </a:p>
+          <a:p>
+            <a:r>
+              <a:rPr lang="ja-JP" altLang="en-US" dirty="0"/>
+              <a:t>例えば、犬の色んな特徴から品種を区別したり、データセットから感情によって分類したりする問題。</a:t>
+            </a:r>
+            <a:endParaRPr lang="en-US" altLang="ja-JP" dirty="0"/>
+          </a:p>
+          <a:p>
+            <a:endParaRPr kumimoji="1" lang="en-US" altLang="ja-JP" dirty="0"/>
+          </a:p>
+          <a:p>
+            <a:r>
+              <a:rPr kumimoji="1" lang="ja-JP" altLang="en-US" dirty="0"/>
+              <a:t>予測値の全体の確率の合計が</a:t>
+            </a:r>
+            <a:r>
+              <a:rPr kumimoji="1" lang="ja-JP" altLang="en-US" b="1" dirty="0"/>
+              <a:t>１</a:t>
+            </a:r>
+            <a:r>
+              <a:rPr kumimoji="1" lang="ja-JP" altLang="en-US" dirty="0"/>
+              <a:t>になるようにする。</a:t>
+            </a:r>
+            <a:endParaRPr kumimoji="1" lang="en-US" altLang="ja-JP" dirty="0"/>
+          </a:p>
+          <a:p>
+            <a:r>
+              <a:rPr lang="ja-JP" altLang="en-US" dirty="0"/>
+              <a:t>例えば、感情分類の場合、コーパスの感情が、「怒り」である確率が</a:t>
+            </a:r>
+            <a:r>
+              <a:rPr lang="en-US" altLang="ja-JP" dirty="0"/>
+              <a:t>0.6,</a:t>
+            </a:r>
+            <a:r>
+              <a:rPr lang="ja-JP" altLang="en-US" dirty="0"/>
+              <a:t>「喜び」である確率が</a:t>
+            </a:r>
+            <a:r>
+              <a:rPr lang="en-US" altLang="ja-JP" dirty="0"/>
+              <a:t>0.25</a:t>
+            </a:r>
+            <a:r>
+              <a:rPr lang="ja-JP" altLang="en-US" dirty="0"/>
+              <a:t>、「悲しみ」である確率が</a:t>
+            </a:r>
+            <a:r>
+              <a:rPr lang="en-US" altLang="ja-JP" dirty="0"/>
+              <a:t>0.15</a:t>
+            </a:r>
+            <a:r>
+              <a:rPr lang="ja-JP" altLang="en-US" dirty="0"/>
+              <a:t>みたいに　三つ以上の確率の総計が</a:t>
+            </a:r>
+            <a:r>
+              <a:rPr lang="en-US" altLang="ja-JP" b="1" dirty="0"/>
+              <a:t>1</a:t>
+            </a:r>
+            <a:r>
+              <a:rPr lang="ja-JP" altLang="en-US" dirty="0"/>
+              <a:t>になるような予測値を得る。</a:t>
+            </a:r>
+            <a:endParaRPr lang="en-US" altLang="ja-JP" dirty="0"/>
+          </a:p>
+        </p:txBody>
+      </p:sp>
+    </p:spTree>
+    <p:extLst>
+      <p:ext uri="{BB962C8B-B14F-4D97-AF65-F5344CB8AC3E}">
+        <p14:creationId xmlns:p14="http://schemas.microsoft.com/office/powerpoint/2010/main" val="2081242108"/>
+      </p:ext>
+    </p:extLst>
+  </p:cSld>
+  <p:clrMapOvr>
+    <a:masterClrMapping/>
+  </p:clrMapOvr>
+</p:sld>
+</file>
+
+<file path=ppt/slides/slide14.xml><?xml version="1.0" encoding="utf-8"?>
+<p:sld xmlns:a="http://schemas.openxmlformats.org/drawingml/2006/main" xmlns:r="http://schemas.openxmlformats.org/officeDocument/2006/relationships" xmlns:p="http://schemas.openxmlformats.org/presentationml/2006/main">
+  <p:cSld>
+    <p:spTree>
+      <p:nvGrpSpPr>
+        <p:cNvPr id="1" name=""/>
+        <p:cNvGrpSpPr/>
+        <p:nvPr/>
+      </p:nvGrpSpPr>
+      <p:grpSpPr>
+        <a:xfrm>
+          <a:off x="0" y="0"/>
+          <a:ext cx="0" cy="0"/>
+          <a:chOff x="0" y="0"/>
+          <a:chExt cx="0" cy="0"/>
+        </a:xfrm>
+      </p:grpSpPr>
+      <p:sp>
+        <p:nvSpPr>
+          <p:cNvPr id="2" name="タイトル 1">
+            <a:extLst>
+              <a:ext uri="{FF2B5EF4-FFF2-40B4-BE49-F238E27FC236}">
+                <a16:creationId xmlns:a16="http://schemas.microsoft.com/office/drawing/2014/main" id="{C4C04261-8F60-D578-D143-4EAEF3D1CEEB}"/>
+              </a:ext>
+            </a:extLst>
+          </p:cNvPr>
+          <p:cNvSpPr>
+            <a:spLocks noGrp="1"/>
+          </p:cNvSpPr>
+          <p:nvPr>
+            <p:ph type="title"/>
+          </p:nvPr>
+        </p:nvSpPr>
+        <p:spPr/>
+        <p:txBody>
+          <a:bodyPr/>
+          <a:lstStyle/>
+          <a:p>
+            <a:r>
+              <a:rPr kumimoji="1" lang="en-US" altLang="ja-JP" dirty="0" err="1"/>
+              <a:t>Softmax</a:t>
+            </a:r>
+            <a:r>
+              <a:rPr kumimoji="1" lang="en-US" altLang="ja-JP" dirty="0"/>
+              <a:t> function</a:t>
+            </a:r>
+            <a:endParaRPr kumimoji="1" lang="ja-JP" altLang="en-US" dirty="0"/>
+          </a:p>
+        </p:txBody>
+      </p:sp>
+      <mc:AlternateContent xmlns:mc="http://schemas.openxmlformats.org/markup-compatibility/2006">
+        <mc:Choice xmlns:a14="http://schemas.microsoft.com/office/drawing/2010/main" Requires="a14">
+          <p:sp>
+            <p:nvSpPr>
+              <p:cNvPr id="3" name="コンテンツ プレースホルダー 2">
+                <a:extLst>
+                  <a:ext uri="{FF2B5EF4-FFF2-40B4-BE49-F238E27FC236}">
+                    <a16:creationId xmlns:a16="http://schemas.microsoft.com/office/drawing/2014/main" id="{EC52FB23-407D-F23C-C727-5CB3FEF1C215}"/>
+                  </a:ext>
+                </a:extLst>
+              </p:cNvPr>
+              <p:cNvSpPr>
+                <a:spLocks noGrp="1"/>
+              </p:cNvSpPr>
+              <p:nvPr>
+                <p:ph idx="1"/>
+              </p:nvPr>
+            </p:nvSpPr>
+            <p:spPr>
+              <a:xfrm>
+                <a:off x="1097280" y="1910443"/>
+                <a:ext cx="10058400" cy="4523014"/>
+              </a:xfrm>
+            </p:spPr>
+            <p:txBody>
+              <a:bodyPr>
+                <a:normAutofit/>
+              </a:bodyPr>
+              <a:lstStyle/>
+              <a:p>
+                <a14:m>
+                  <m:oMath xmlns:m="http://schemas.openxmlformats.org/officeDocument/2006/math">
+                    <m:func>
+                      <m:funcPr>
+                        <m:ctrlPr>
+                          <a:rPr kumimoji="1" lang="en-US" altLang="ja-JP" b="0" i="1" smtClean="0">
+                            <a:latin typeface="Cambria Math" panose="02040503050406030204" pitchFamily="18" charset="0"/>
+                          </a:rPr>
+                        </m:ctrlPr>
+                      </m:funcPr>
+                      <m:fName>
+                        <m:r>
+                          <m:rPr>
+                            <m:sty m:val="p"/>
+                          </m:rPr>
+                          <a:rPr kumimoji="1" lang="en-US" altLang="ja-JP" b="0" i="0" smtClean="0">
+                            <a:latin typeface="Cambria Math" panose="02040503050406030204" pitchFamily="18" charset="0"/>
+                          </a:rPr>
+                          <m:t>dim</m:t>
+                        </m:r>
+                      </m:fName>
+                      <m:e>
+                        <m:r>
+                          <a:rPr kumimoji="1" lang="en-US" altLang="ja-JP" b="0" i="1" smtClean="0">
+                            <a:latin typeface="Cambria Math" panose="02040503050406030204" pitchFamily="18" charset="0"/>
+                          </a:rPr>
+                          <m:t>𝑍</m:t>
+                        </m:r>
+                      </m:e>
+                    </m:func>
+                    <m:r>
+                      <a:rPr kumimoji="1" lang="en-US" altLang="ja-JP" b="0" i="1" smtClean="0">
+                        <a:latin typeface="Cambria Math" panose="02040503050406030204" pitchFamily="18" charset="0"/>
+                      </a:rPr>
+                      <m:t>=</m:t>
+                    </m:r>
+                    <m:r>
+                      <a:rPr kumimoji="1" lang="en-US" altLang="ja-JP" b="0" i="1" smtClean="0">
+                        <a:latin typeface="Cambria Math" panose="02040503050406030204" pitchFamily="18" charset="0"/>
+                      </a:rPr>
+                      <m:t>𝑘</m:t>
+                    </m:r>
+                    <m:r>
+                      <a:rPr kumimoji="1" lang="en-US" altLang="ja-JP" b="0" i="1" smtClean="0">
+                        <a:latin typeface="Cambria Math" panose="02040503050406030204" pitchFamily="18" charset="0"/>
+                      </a:rPr>
+                      <m:t> ,  </m:t>
+                    </m:r>
+                    <m:sSub>
+                      <m:sSubPr>
+                        <m:ctrlPr>
+                          <a:rPr kumimoji="1" lang="en-US" altLang="ja-JP" b="0" i="1" smtClean="0">
+                            <a:latin typeface="Cambria Math" panose="02040503050406030204" pitchFamily="18" charset="0"/>
+                          </a:rPr>
+                        </m:ctrlPr>
+                      </m:sSubPr>
+                      <m:e>
+                        <m:r>
+                          <a:rPr kumimoji="1" lang="en-US" altLang="ja-JP" b="0" i="1" smtClean="0">
+                            <a:latin typeface="Cambria Math" panose="02040503050406030204" pitchFamily="18" charset="0"/>
+                          </a:rPr>
+                          <m:t>𝑧</m:t>
+                        </m:r>
+                      </m:e>
+                      <m:sub>
+                        <m:r>
+                          <a:rPr kumimoji="1" lang="en-US" altLang="ja-JP" b="0" i="1" smtClean="0">
+                            <a:latin typeface="Cambria Math" panose="02040503050406030204" pitchFamily="18" charset="0"/>
+                          </a:rPr>
+                          <m:t>𝑖</m:t>
+                        </m:r>
+                      </m:sub>
+                    </m:sSub>
+                  </m:oMath>
+                </a14:m>
+                <a:endParaRPr kumimoji="1" lang="en-US" altLang="ja-JP" b="0" dirty="0"/>
+              </a:p>
+              <a:p>
+                <a:r>
+                  <a:rPr lang="en-US" altLang="ja-JP" dirty="0" err="1"/>
+                  <a:t>i</a:t>
+                </a:r>
+                <a:r>
+                  <a:rPr kumimoji="1" lang="en-US" altLang="ja-JP" dirty="0"/>
+                  <a:t> </a:t>
+                </a:r>
+                <a:r>
+                  <a:rPr kumimoji="1" lang="ja-JP" altLang="en-US" dirty="0"/>
+                  <a:t>番目のクラスが正解である確率　</a:t>
+                </a:r>
+                <a14:m>
+                  <m:oMath xmlns:m="http://schemas.openxmlformats.org/officeDocument/2006/math">
+                    <m:sSub>
+                      <m:sSubPr>
+                        <m:ctrlPr>
+                          <a:rPr kumimoji="1" lang="en-US" altLang="ja-JP" i="1" smtClean="0">
+                            <a:latin typeface="Cambria Math" panose="02040503050406030204" pitchFamily="18" charset="0"/>
+                          </a:rPr>
+                        </m:ctrlPr>
+                      </m:sSubPr>
+                      <m:e>
+                        <m:r>
+                          <a:rPr kumimoji="1" lang="en-US" altLang="ja-JP" b="0" i="1" smtClean="0">
+                            <a:latin typeface="Cambria Math" panose="02040503050406030204" pitchFamily="18" charset="0"/>
+                          </a:rPr>
+                          <m:t>𝑝</m:t>
+                        </m:r>
+                      </m:e>
+                      <m:sub>
+                        <m:r>
+                          <a:rPr kumimoji="1" lang="en-US" altLang="ja-JP" b="0" i="1" smtClean="0">
+                            <a:latin typeface="Cambria Math" panose="02040503050406030204" pitchFamily="18" charset="0"/>
+                          </a:rPr>
+                          <m:t>𝑖</m:t>
+                        </m:r>
+                      </m:sub>
+                    </m:sSub>
+                  </m:oMath>
+                </a14:m>
+                <a:endParaRPr kumimoji="1" lang="en-US" altLang="ja-JP" dirty="0"/>
+              </a:p>
+              <a:p>
+                <a14:m>
+                  <m:oMath xmlns:m="http://schemas.openxmlformats.org/officeDocument/2006/math">
+                    <m:sSup>
+                      <m:sSupPr>
+                        <m:ctrlPr>
+                          <a:rPr kumimoji="1" lang="en-US" altLang="ja-JP" i="1" smtClean="0">
+                            <a:latin typeface="Cambria Math" panose="02040503050406030204" pitchFamily="18" charset="0"/>
+                          </a:rPr>
+                        </m:ctrlPr>
+                      </m:sSupPr>
+                      <m:e>
+                        <m:r>
+                          <a:rPr kumimoji="1" lang="en-US" altLang="ja-JP" b="0" i="1" smtClean="0">
+                            <a:latin typeface="Cambria Math" panose="02040503050406030204" pitchFamily="18" charset="0"/>
+                          </a:rPr>
+                          <m:t>𝑝</m:t>
+                        </m:r>
+                      </m:e>
+                      <m:sup>
+                        <m:r>
+                          <a:rPr kumimoji="1" lang="en-US" altLang="ja-JP" b="0" i="1" smtClean="0">
+                            <a:latin typeface="Cambria Math" panose="02040503050406030204" pitchFamily="18" charset="0"/>
+                          </a:rPr>
+                          <m:t>𝑖</m:t>
+                        </m:r>
+                      </m:sup>
+                    </m:sSup>
+                    <m:r>
+                      <a:rPr kumimoji="1" lang="en-US" altLang="ja-JP" b="0" i="1" smtClean="0">
+                        <a:latin typeface="Cambria Math" panose="02040503050406030204" pitchFamily="18" charset="0"/>
+                      </a:rPr>
+                      <m:t>=</m:t>
+                    </m:r>
+                    <m:f>
+                      <m:fPr>
+                        <m:ctrlPr>
+                          <a:rPr kumimoji="1" lang="en-US" altLang="ja-JP" b="0" i="1" smtClean="0">
+                            <a:latin typeface="Cambria Math" panose="02040503050406030204" pitchFamily="18" charset="0"/>
+                          </a:rPr>
+                        </m:ctrlPr>
+                      </m:fPr>
+                      <m:num>
+                        <m:sSup>
+                          <m:sSupPr>
+                            <m:ctrlPr>
+                              <a:rPr kumimoji="1" lang="en-US" altLang="ja-JP" b="0" i="1" smtClean="0">
+                                <a:latin typeface="Cambria Math" panose="02040503050406030204" pitchFamily="18" charset="0"/>
+                              </a:rPr>
+                            </m:ctrlPr>
+                          </m:sSupPr>
+                          <m:e>
+                            <m:r>
+                              <a:rPr kumimoji="1" lang="en-US" altLang="ja-JP" b="0" i="1" smtClean="0">
+                                <a:latin typeface="Cambria Math" panose="02040503050406030204" pitchFamily="18" charset="0"/>
+                              </a:rPr>
+                              <m:t>𝑒</m:t>
+                            </m:r>
+                          </m:e>
+                          <m:sup>
+                            <m:sSubSup>
+                              <m:sSubSupPr>
+                                <m:ctrlPr>
+                                  <a:rPr kumimoji="1" lang="en-US" altLang="ja-JP" b="0" i="1" smtClean="0">
+                                    <a:latin typeface="Cambria Math" panose="02040503050406030204" pitchFamily="18" charset="0"/>
+                                  </a:rPr>
+                                </m:ctrlPr>
+                              </m:sSubSupPr>
+                              <m:e>
+                                <m:r>
+                                  <a:rPr kumimoji="1" lang="en-US" altLang="ja-JP" b="0" i="1" smtClean="0">
+                                    <a:latin typeface="Cambria Math" panose="02040503050406030204" pitchFamily="18" charset="0"/>
+                                  </a:rPr>
+                                  <m:t>𝑧</m:t>
+                                </m:r>
+                              </m:e>
+                              <m:sub>
+                                <m:r>
+                                  <a:rPr lang="en-US" altLang="ja-JP" b="0" i="1" smtClean="0">
+                                    <a:latin typeface="Cambria Math" panose="02040503050406030204" pitchFamily="18" charset="0"/>
+                                  </a:rPr>
+                                  <m:t>𝑖</m:t>
+                                </m:r>
+                              </m:sub>
+                              <m:sup/>
+                            </m:sSubSup>
+                          </m:sup>
+                        </m:sSup>
+                      </m:num>
+                      <m:den>
+                        <m:nary>
+                          <m:naryPr>
+                            <m:chr m:val="∑"/>
+                            <m:ctrlPr>
+                              <a:rPr kumimoji="1" lang="en-US" altLang="ja-JP" b="0" i="1" smtClean="0">
+                                <a:latin typeface="Cambria Math" panose="02040503050406030204" pitchFamily="18" charset="0"/>
+                              </a:rPr>
+                            </m:ctrlPr>
+                          </m:naryPr>
+                          <m:sub>
+                            <m:r>
+                              <m:rPr>
+                                <m:brk m:alnAt="23"/>
+                              </m:rPr>
+                              <a:rPr kumimoji="1" lang="en-US" altLang="ja-JP" b="0" i="1" smtClean="0">
+                                <a:latin typeface="Cambria Math" panose="02040503050406030204" pitchFamily="18" charset="0"/>
+                              </a:rPr>
+                              <m:t>𝑗</m:t>
+                            </m:r>
+                            <m:r>
+                              <a:rPr kumimoji="1" lang="en-US" altLang="ja-JP" b="0" i="1" smtClean="0">
+                                <a:latin typeface="Cambria Math" panose="02040503050406030204" pitchFamily="18" charset="0"/>
+                              </a:rPr>
+                              <m:t>=1</m:t>
+                            </m:r>
+                          </m:sub>
+                          <m:sup>
+                            <m:r>
+                              <a:rPr kumimoji="1" lang="en-US" altLang="ja-JP" b="0" i="1" smtClean="0">
+                                <a:latin typeface="Cambria Math" panose="02040503050406030204" pitchFamily="18" charset="0"/>
+                              </a:rPr>
+                              <m:t>𝑘</m:t>
+                            </m:r>
+                          </m:sup>
+                          <m:e>
+                            <m:sSup>
+                              <m:sSupPr>
+                                <m:ctrlPr>
+                                  <a:rPr kumimoji="1" lang="en-US" altLang="ja-JP" b="0" i="1" smtClean="0">
+                                    <a:latin typeface="Cambria Math" panose="02040503050406030204" pitchFamily="18" charset="0"/>
+                                  </a:rPr>
+                                </m:ctrlPr>
+                              </m:sSupPr>
+                              <m:e>
+                                <m:r>
+                                  <a:rPr kumimoji="1" lang="en-US" altLang="ja-JP" b="0" i="1" smtClean="0">
+                                    <a:latin typeface="Cambria Math" panose="02040503050406030204" pitchFamily="18" charset="0"/>
+                                  </a:rPr>
+                                  <m:t>𝑒</m:t>
+                                </m:r>
+                              </m:e>
+                              <m:sup>
+                                <m:sSub>
+                                  <m:sSubPr>
+                                    <m:ctrlPr>
+                                      <a:rPr kumimoji="1" lang="en-US" altLang="ja-JP" b="0" i="1" smtClean="0">
+                                        <a:latin typeface="Cambria Math" panose="02040503050406030204" pitchFamily="18" charset="0"/>
+                                      </a:rPr>
+                                    </m:ctrlPr>
+                                  </m:sSubPr>
+                                  <m:e>
+                                    <m:r>
+                                      <a:rPr kumimoji="1" lang="en-US" altLang="ja-JP" b="0" i="1" smtClean="0">
+                                        <a:latin typeface="Cambria Math" panose="02040503050406030204" pitchFamily="18" charset="0"/>
+                                      </a:rPr>
+                                      <m:t>𝑧</m:t>
+                                    </m:r>
+                                  </m:e>
+                                  <m:sub>
+                                    <m:r>
+                                      <a:rPr kumimoji="1" lang="en-US" altLang="ja-JP" b="0" i="1" smtClean="0">
+                                        <a:latin typeface="Cambria Math" panose="02040503050406030204" pitchFamily="18" charset="0"/>
+                                      </a:rPr>
+                                      <m:t>𝑗</m:t>
+                                    </m:r>
+                                  </m:sub>
+                                </m:sSub>
+                              </m:sup>
+                            </m:sSup>
+                          </m:e>
+                        </m:nary>
+                      </m:den>
+                    </m:f>
+                    <m:r>
+                      <a:rPr kumimoji="1" lang="en-US" altLang="ja-JP" b="0" i="1" smtClean="0">
+                        <a:latin typeface="Cambria Math" panose="02040503050406030204" pitchFamily="18" charset="0"/>
+                      </a:rPr>
+                      <m:t> </m:t>
+                    </m:r>
+                    <m:r>
+                      <a:rPr kumimoji="1" lang="en-US" altLang="ja-JP" b="0" i="1" smtClean="0">
+                        <a:latin typeface="Cambria Math" panose="02040503050406030204" pitchFamily="18" charset="0"/>
+                      </a:rPr>
+                      <m:t>𝑓𝑜𝑟</m:t>
+                    </m:r>
+                    <m:r>
+                      <a:rPr kumimoji="1" lang="en-US" altLang="ja-JP" b="0" i="1" smtClean="0">
+                        <a:latin typeface="Cambria Math" panose="02040503050406030204" pitchFamily="18" charset="0"/>
+                      </a:rPr>
+                      <m:t> </m:t>
+                    </m:r>
+                    <m:r>
+                      <a:rPr kumimoji="1" lang="en-US" altLang="ja-JP" b="0" i="1" smtClean="0">
+                        <a:latin typeface="Cambria Math" panose="02040503050406030204" pitchFamily="18" charset="0"/>
+                      </a:rPr>
+                      <m:t>𝑖</m:t>
+                    </m:r>
+                    <m:r>
+                      <a:rPr kumimoji="1" lang="en-US" altLang="ja-JP" b="0" i="1" smtClean="0">
+                        <a:latin typeface="Cambria Math" panose="02040503050406030204" pitchFamily="18" charset="0"/>
+                      </a:rPr>
+                      <m:t>=1,2,…</m:t>
+                    </m:r>
+                    <m:r>
+                      <a:rPr kumimoji="1" lang="en-US" altLang="ja-JP" b="0" i="1" smtClean="0">
+                        <a:latin typeface="Cambria Math" panose="02040503050406030204" pitchFamily="18" charset="0"/>
+                      </a:rPr>
+                      <m:t>𝑘</m:t>
+                    </m:r>
+                  </m:oMath>
+                </a14:m>
+                <a:endParaRPr kumimoji="1" lang="en-US" altLang="ja-JP" dirty="0"/>
+              </a:p>
+              <a:p>
+                <a:r>
+                  <a:rPr kumimoji="1" lang="ja-JP" altLang="en-US" dirty="0"/>
+                  <a:t>三つの選択値の中で予測する問題だとした時、</a:t>
+                </a:r>
+                <a14:m>
+                  <m:oMath xmlns:m="http://schemas.openxmlformats.org/officeDocument/2006/math">
+                    <m:r>
+                      <a:rPr kumimoji="1" lang="en-US" altLang="ja-JP" b="0" i="1" smtClean="0">
+                        <a:latin typeface="Cambria Math" panose="02040503050406030204" pitchFamily="18" charset="0"/>
+                      </a:rPr>
+                      <m:t>𝑘</m:t>
+                    </m:r>
+                    <m:r>
+                      <a:rPr kumimoji="1" lang="en-US" altLang="ja-JP" b="0" i="1" smtClean="0">
+                        <a:latin typeface="Cambria Math" panose="02040503050406030204" pitchFamily="18" charset="0"/>
+                      </a:rPr>
+                      <m:t>=3   </m:t>
+                    </m:r>
+                    <m:r>
+                      <a:rPr kumimoji="1" lang="en-US" altLang="ja-JP" b="0" i="1" smtClean="0">
+                        <a:latin typeface="Cambria Math" panose="02040503050406030204" pitchFamily="18" charset="0"/>
+                      </a:rPr>
+                      <m:t>𝑧</m:t>
+                    </m:r>
+                    <m:r>
+                      <a:rPr kumimoji="1" lang="en-US" altLang="ja-JP" b="0" i="1" smtClean="0">
+                        <a:latin typeface="Cambria Math" panose="02040503050406030204" pitchFamily="18" charset="0"/>
+                      </a:rPr>
+                      <m:t>=[</m:t>
+                    </m:r>
+                    <m:sSub>
+                      <m:sSubPr>
+                        <m:ctrlPr>
+                          <a:rPr kumimoji="1" lang="en-US" altLang="ja-JP" b="0" i="1" smtClean="0">
+                            <a:latin typeface="Cambria Math" panose="02040503050406030204" pitchFamily="18" charset="0"/>
+                          </a:rPr>
+                        </m:ctrlPr>
+                      </m:sSubPr>
+                      <m:e>
+                        <m:r>
+                          <a:rPr kumimoji="1" lang="en-US" altLang="ja-JP" b="0" i="1" smtClean="0">
+                            <a:latin typeface="Cambria Math" panose="02040503050406030204" pitchFamily="18" charset="0"/>
+                          </a:rPr>
+                          <m:t>𝑧</m:t>
+                        </m:r>
+                      </m:e>
+                      <m:sub>
+                        <m:r>
+                          <a:rPr kumimoji="1" lang="en-US" altLang="ja-JP" b="0" i="1" smtClean="0">
+                            <a:latin typeface="Cambria Math" panose="02040503050406030204" pitchFamily="18" charset="0"/>
+                          </a:rPr>
+                          <m:t>1</m:t>
+                        </m:r>
+                      </m:sub>
+                    </m:sSub>
+                    <m:r>
+                      <a:rPr kumimoji="1" lang="en-US" altLang="ja-JP" b="0" i="1" smtClean="0">
+                        <a:latin typeface="Cambria Math" panose="02040503050406030204" pitchFamily="18" charset="0"/>
+                      </a:rPr>
+                      <m:t>,</m:t>
+                    </m:r>
+                    <m:sSub>
+                      <m:sSubPr>
+                        <m:ctrlPr>
+                          <a:rPr kumimoji="1" lang="en-US" altLang="ja-JP" b="0" i="1" smtClean="0">
+                            <a:latin typeface="Cambria Math" panose="02040503050406030204" pitchFamily="18" charset="0"/>
+                          </a:rPr>
+                        </m:ctrlPr>
+                      </m:sSubPr>
+                      <m:e>
+                        <m:r>
+                          <a:rPr kumimoji="1" lang="en-US" altLang="ja-JP" b="0" i="1" smtClean="0">
+                            <a:latin typeface="Cambria Math" panose="02040503050406030204" pitchFamily="18" charset="0"/>
+                          </a:rPr>
+                          <m:t>𝑧</m:t>
+                        </m:r>
+                      </m:e>
+                      <m:sub>
+                        <m:r>
+                          <a:rPr kumimoji="1" lang="en-US" altLang="ja-JP" b="0" i="1" smtClean="0">
+                            <a:latin typeface="Cambria Math" panose="02040503050406030204" pitchFamily="18" charset="0"/>
+                          </a:rPr>
+                          <m:t>2</m:t>
+                        </m:r>
+                      </m:sub>
+                    </m:sSub>
+                    <m:r>
+                      <a:rPr kumimoji="1" lang="en-US" altLang="ja-JP" b="0" i="1" smtClean="0">
+                        <a:latin typeface="Cambria Math" panose="02040503050406030204" pitchFamily="18" charset="0"/>
+                      </a:rPr>
+                      <m:t>,</m:t>
+                    </m:r>
+                    <m:sSub>
+                      <m:sSubPr>
+                        <m:ctrlPr>
+                          <a:rPr kumimoji="1" lang="en-US" altLang="ja-JP" b="0" i="1" smtClean="0">
+                            <a:latin typeface="Cambria Math" panose="02040503050406030204" pitchFamily="18" charset="0"/>
+                          </a:rPr>
+                        </m:ctrlPr>
+                      </m:sSubPr>
+                      <m:e>
+                        <m:r>
+                          <a:rPr kumimoji="1" lang="en-US" altLang="ja-JP" b="0" i="1" smtClean="0">
+                            <a:latin typeface="Cambria Math" panose="02040503050406030204" pitchFamily="18" charset="0"/>
+                          </a:rPr>
+                          <m:t>𝑧</m:t>
+                        </m:r>
+                      </m:e>
+                      <m:sub>
+                        <m:r>
+                          <a:rPr kumimoji="1" lang="en-US" altLang="ja-JP" b="0" i="1" smtClean="0">
+                            <a:latin typeface="Cambria Math" panose="02040503050406030204" pitchFamily="18" charset="0"/>
+                          </a:rPr>
+                          <m:t>3</m:t>
+                        </m:r>
+                      </m:sub>
+                    </m:sSub>
+                    <m:r>
+                      <a:rPr kumimoji="1" lang="en-US" altLang="ja-JP" b="0" i="1" smtClean="0">
+                        <a:latin typeface="Cambria Math" panose="02040503050406030204" pitchFamily="18" charset="0"/>
+                      </a:rPr>
+                      <m:t>]</m:t>
+                    </m:r>
+                  </m:oMath>
+                </a14:m>
+                <a:endParaRPr kumimoji="1" lang="en-US" altLang="ja-JP" dirty="0"/>
+              </a:p>
+              <a:p>
+                <a14:m>
+                  <m:oMath xmlns:m="http://schemas.openxmlformats.org/officeDocument/2006/math">
+                    <m:r>
+                      <a:rPr kumimoji="1" lang="en-US" altLang="ja-JP" b="0" i="1" smtClean="0">
+                        <a:latin typeface="Cambria Math" panose="02040503050406030204" pitchFamily="18" charset="0"/>
+                      </a:rPr>
+                      <m:t>𝑠𝑜𝑓𝑡𝑚𝑎𝑥</m:t>
+                    </m:r>
+                    <m:d>
+                      <m:dPr>
+                        <m:ctrlPr>
+                          <a:rPr kumimoji="1" lang="en-US" altLang="ja-JP" b="0" i="1" smtClean="0">
+                            <a:latin typeface="Cambria Math" panose="02040503050406030204" pitchFamily="18" charset="0"/>
+                          </a:rPr>
+                        </m:ctrlPr>
+                      </m:dPr>
+                      <m:e>
+                        <m:r>
+                          <a:rPr kumimoji="1" lang="en-US" altLang="ja-JP" b="0" i="1" smtClean="0">
+                            <a:latin typeface="Cambria Math" panose="02040503050406030204" pitchFamily="18" charset="0"/>
+                          </a:rPr>
+                          <m:t>𝑧</m:t>
+                        </m:r>
+                      </m:e>
+                    </m:d>
+                    <m:r>
+                      <a:rPr kumimoji="1" lang="en-US" altLang="ja-JP" b="0" i="1" smtClean="0">
+                        <a:latin typeface="Cambria Math" panose="02040503050406030204" pitchFamily="18" charset="0"/>
+                      </a:rPr>
+                      <m:t>=[</m:t>
+                    </m:r>
+                    <m:f>
+                      <m:fPr>
+                        <m:ctrlPr>
+                          <a:rPr kumimoji="1" lang="en-US" altLang="ja-JP" b="0" i="1" smtClean="0">
+                            <a:latin typeface="Cambria Math" panose="02040503050406030204" pitchFamily="18" charset="0"/>
+                          </a:rPr>
+                        </m:ctrlPr>
+                      </m:fPr>
+                      <m:num>
+                        <m:sSup>
+                          <m:sSupPr>
+                            <m:ctrlPr>
+                              <a:rPr kumimoji="1" lang="en-US" altLang="ja-JP" b="0" i="1" smtClean="0">
+                                <a:latin typeface="Cambria Math" panose="02040503050406030204" pitchFamily="18" charset="0"/>
+                              </a:rPr>
+                            </m:ctrlPr>
+                          </m:sSupPr>
+                          <m:e>
+                            <m:r>
+                              <a:rPr kumimoji="1" lang="en-US" altLang="ja-JP" b="0" i="1" smtClean="0">
+                                <a:latin typeface="Cambria Math" panose="02040503050406030204" pitchFamily="18" charset="0"/>
+                              </a:rPr>
+                              <m:t>𝑒</m:t>
+                            </m:r>
+                          </m:e>
+                          <m:sup>
+                            <m:sSubSup>
+                              <m:sSubSupPr>
+                                <m:ctrlPr>
+                                  <a:rPr kumimoji="1" lang="en-US" altLang="ja-JP" b="0" i="1" smtClean="0">
+                                    <a:latin typeface="Cambria Math" panose="02040503050406030204" pitchFamily="18" charset="0"/>
+                                  </a:rPr>
+                                </m:ctrlPr>
+                              </m:sSubSupPr>
+                              <m:e>
+                                <m:r>
+                                  <a:rPr kumimoji="1" lang="en-US" altLang="ja-JP" b="0" i="1" smtClean="0">
+                                    <a:latin typeface="Cambria Math" panose="02040503050406030204" pitchFamily="18" charset="0"/>
+                                  </a:rPr>
+                                  <m:t>𝑧</m:t>
+                                </m:r>
+                              </m:e>
+                              <m:sub>
+                                <m:r>
+                                  <a:rPr kumimoji="1" lang="en-US" altLang="ja-JP" b="0" i="1" smtClean="0">
+                                    <a:latin typeface="Cambria Math" panose="02040503050406030204" pitchFamily="18" charset="0"/>
+                                  </a:rPr>
+                                  <m:t>1</m:t>
+                                </m:r>
+                              </m:sub>
+                              <m:sup/>
+                            </m:sSubSup>
+                          </m:sup>
+                        </m:sSup>
+                      </m:num>
+                      <m:den>
+                        <m:nary>
+                          <m:naryPr>
+                            <m:chr m:val="∑"/>
+                            <m:ctrlPr>
+                              <a:rPr kumimoji="1" lang="en-US" altLang="ja-JP" b="0" i="1" smtClean="0">
+                                <a:latin typeface="Cambria Math" panose="02040503050406030204" pitchFamily="18" charset="0"/>
+                              </a:rPr>
+                            </m:ctrlPr>
+                          </m:naryPr>
+                          <m:sub>
+                            <m:r>
+                              <m:rPr>
+                                <m:brk m:alnAt="23"/>
+                              </m:rPr>
+                              <a:rPr kumimoji="1" lang="en-US" altLang="ja-JP" b="0" i="1" smtClean="0">
+                                <a:latin typeface="Cambria Math" panose="02040503050406030204" pitchFamily="18" charset="0"/>
+                              </a:rPr>
+                              <m:t>𝑗</m:t>
+                            </m:r>
+                          </m:sub>
+                          <m:sup>
+                            <m:r>
+                              <a:rPr kumimoji="1" lang="en-US" altLang="ja-JP" b="0" i="1" smtClean="0">
+                                <a:latin typeface="Cambria Math" panose="02040503050406030204" pitchFamily="18" charset="0"/>
+                              </a:rPr>
+                              <m:t>3</m:t>
+                            </m:r>
+                          </m:sup>
+                          <m:e>
+                            <m:sSup>
+                              <m:sSupPr>
+                                <m:ctrlPr>
+                                  <a:rPr kumimoji="1" lang="en-US" altLang="ja-JP" b="0" i="1" smtClean="0">
+                                    <a:latin typeface="Cambria Math" panose="02040503050406030204" pitchFamily="18" charset="0"/>
+                                  </a:rPr>
+                                </m:ctrlPr>
+                              </m:sSupPr>
+                              <m:e>
+                                <m:r>
+                                  <a:rPr kumimoji="1" lang="en-US" altLang="ja-JP" b="0" i="1" smtClean="0">
+                                    <a:latin typeface="Cambria Math" panose="02040503050406030204" pitchFamily="18" charset="0"/>
+                                  </a:rPr>
+                                  <m:t>𝑒</m:t>
+                                </m:r>
+                              </m:e>
+                              <m:sup>
+                                <m:sSub>
+                                  <m:sSubPr>
+                                    <m:ctrlPr>
+                                      <a:rPr kumimoji="1" lang="en-US" altLang="ja-JP" b="0" i="1" smtClean="0">
+                                        <a:latin typeface="Cambria Math" panose="02040503050406030204" pitchFamily="18" charset="0"/>
+                                      </a:rPr>
+                                    </m:ctrlPr>
+                                  </m:sSubPr>
+                                  <m:e>
+                                    <m:r>
+                                      <a:rPr kumimoji="1" lang="en-US" altLang="ja-JP" b="0" i="1" smtClean="0">
+                                        <a:latin typeface="Cambria Math" panose="02040503050406030204" pitchFamily="18" charset="0"/>
+                                      </a:rPr>
+                                      <m:t>𝑧</m:t>
+                                    </m:r>
+                                  </m:e>
+                                  <m:sub>
+                                    <m:r>
+                                      <a:rPr kumimoji="1" lang="en-US" altLang="ja-JP" b="0" i="1" smtClean="0">
+                                        <a:latin typeface="Cambria Math" panose="02040503050406030204" pitchFamily="18" charset="0"/>
+                                      </a:rPr>
+                                      <m:t>𝑗</m:t>
+                                    </m:r>
+                                  </m:sub>
+                                </m:sSub>
+                              </m:sup>
+                            </m:sSup>
+                          </m:e>
+                        </m:nary>
+                      </m:den>
+                    </m:f>
+                    <m:f>
+                      <m:fPr>
+                        <m:ctrlPr>
+                          <a:rPr lang="en-US" altLang="ja-JP" i="1">
+                            <a:latin typeface="Cambria Math" panose="02040503050406030204" pitchFamily="18" charset="0"/>
+                          </a:rPr>
+                        </m:ctrlPr>
+                      </m:fPr>
+                      <m:num>
+                        <m:sSup>
+                          <m:sSupPr>
+                            <m:ctrlPr>
+                              <a:rPr lang="en-US" altLang="ja-JP" i="1">
+                                <a:latin typeface="Cambria Math" panose="02040503050406030204" pitchFamily="18" charset="0"/>
+                              </a:rPr>
+                            </m:ctrlPr>
+                          </m:sSupPr>
+                          <m:e>
+                            <m:r>
+                              <a:rPr lang="en-US" altLang="ja-JP" i="1">
+                                <a:latin typeface="Cambria Math" panose="02040503050406030204" pitchFamily="18" charset="0"/>
+                              </a:rPr>
+                              <m:t>𝑒</m:t>
+                            </m:r>
+                          </m:e>
+                          <m:sup>
+                            <m:sSubSup>
+                              <m:sSubSupPr>
+                                <m:ctrlPr>
+                                  <a:rPr lang="en-US" altLang="ja-JP" i="1">
+                                    <a:latin typeface="Cambria Math" panose="02040503050406030204" pitchFamily="18" charset="0"/>
+                                  </a:rPr>
+                                </m:ctrlPr>
+                              </m:sSubSupPr>
+                              <m:e>
+                                <m:r>
+                                  <a:rPr lang="en-US" altLang="ja-JP" i="1">
+                                    <a:latin typeface="Cambria Math" panose="02040503050406030204" pitchFamily="18" charset="0"/>
+                                  </a:rPr>
+                                  <m:t>𝑧</m:t>
+                                </m:r>
+                              </m:e>
+                              <m:sub>
+                                <m:r>
+                                  <a:rPr lang="en-US" altLang="ja-JP" b="0" i="1" smtClean="0">
+                                    <a:latin typeface="Cambria Math" panose="02040503050406030204" pitchFamily="18" charset="0"/>
+                                  </a:rPr>
+                                  <m:t>2</m:t>
+                                </m:r>
+                              </m:sub>
+                              <m:sup/>
+                            </m:sSubSup>
+                          </m:sup>
+                        </m:sSup>
+                      </m:num>
+                      <m:den>
+                        <m:nary>
+                          <m:naryPr>
+                            <m:chr m:val="∑"/>
+                            <m:ctrlPr>
+                              <a:rPr lang="en-US" altLang="ja-JP" i="1">
+                                <a:latin typeface="Cambria Math" panose="02040503050406030204" pitchFamily="18" charset="0"/>
+                              </a:rPr>
+                            </m:ctrlPr>
+                          </m:naryPr>
+                          <m:sub>
+                            <m:r>
+                              <m:rPr>
+                                <m:brk m:alnAt="23"/>
+                              </m:rPr>
+                              <a:rPr lang="en-US" altLang="ja-JP" i="1">
+                                <a:latin typeface="Cambria Math" panose="02040503050406030204" pitchFamily="18" charset="0"/>
+                              </a:rPr>
+                              <m:t>𝑗</m:t>
+                            </m:r>
+                          </m:sub>
+                          <m:sup>
+                            <m:r>
+                              <a:rPr lang="en-US" altLang="ja-JP" i="1">
+                                <a:latin typeface="Cambria Math" panose="02040503050406030204" pitchFamily="18" charset="0"/>
+                              </a:rPr>
+                              <m:t>3</m:t>
+                            </m:r>
+                          </m:sup>
+                          <m:e>
+                            <m:sSup>
+                              <m:sSupPr>
+                                <m:ctrlPr>
+                                  <a:rPr lang="en-US" altLang="ja-JP" i="1">
+                                    <a:latin typeface="Cambria Math" panose="02040503050406030204" pitchFamily="18" charset="0"/>
+                                  </a:rPr>
+                                </m:ctrlPr>
+                              </m:sSupPr>
+                              <m:e>
+                                <m:r>
+                                  <a:rPr lang="en-US" altLang="ja-JP" i="1">
+                                    <a:latin typeface="Cambria Math" panose="02040503050406030204" pitchFamily="18" charset="0"/>
+                                  </a:rPr>
+                                  <m:t>𝑒</m:t>
+                                </m:r>
+                              </m:e>
+                              <m:sup>
+                                <m:sSub>
+                                  <m:sSubPr>
+                                    <m:ctrlPr>
+                                      <a:rPr lang="en-US" altLang="ja-JP" i="1">
+                                        <a:latin typeface="Cambria Math" panose="02040503050406030204" pitchFamily="18" charset="0"/>
+                                      </a:rPr>
+                                    </m:ctrlPr>
+                                  </m:sSubPr>
+                                  <m:e>
+                                    <m:r>
+                                      <a:rPr lang="en-US" altLang="ja-JP" i="1">
+                                        <a:latin typeface="Cambria Math" panose="02040503050406030204" pitchFamily="18" charset="0"/>
+                                      </a:rPr>
+                                      <m:t>𝑧</m:t>
+                                    </m:r>
+                                  </m:e>
+                                  <m:sub>
+                                    <m:r>
+                                      <a:rPr lang="en-US" altLang="ja-JP" i="1">
+                                        <a:latin typeface="Cambria Math" panose="02040503050406030204" pitchFamily="18" charset="0"/>
+                                      </a:rPr>
+                                      <m:t>𝑗</m:t>
+                                    </m:r>
+                                  </m:sub>
+                                </m:sSub>
+                              </m:sup>
+                            </m:sSup>
+                          </m:e>
+                        </m:nary>
+                      </m:den>
+                    </m:f>
+                  </m:oMath>
+                </a14:m>
+                <a:r>
+                  <a:rPr kumimoji="1" lang="ja-JP" altLang="en-US" dirty="0"/>
+                  <a:t> </a:t>
+                </a:r>
+                <a14:m>
+                  <m:oMath xmlns:m="http://schemas.openxmlformats.org/officeDocument/2006/math">
+                    <m:f>
+                      <m:fPr>
+                        <m:ctrlPr>
+                          <a:rPr lang="en-US" altLang="ja-JP" i="1">
+                            <a:latin typeface="Cambria Math" panose="02040503050406030204" pitchFamily="18" charset="0"/>
+                          </a:rPr>
+                        </m:ctrlPr>
+                      </m:fPr>
+                      <m:num>
+                        <m:sSup>
+                          <m:sSupPr>
+                            <m:ctrlPr>
+                              <a:rPr lang="en-US" altLang="ja-JP" i="1">
+                                <a:latin typeface="Cambria Math" panose="02040503050406030204" pitchFamily="18" charset="0"/>
+                              </a:rPr>
+                            </m:ctrlPr>
+                          </m:sSupPr>
+                          <m:e>
+                            <m:r>
+                              <a:rPr lang="en-US" altLang="ja-JP" i="1">
+                                <a:latin typeface="Cambria Math" panose="02040503050406030204" pitchFamily="18" charset="0"/>
+                              </a:rPr>
+                              <m:t>𝑒</m:t>
+                            </m:r>
+                          </m:e>
+                          <m:sup>
+                            <m:sSubSup>
+                              <m:sSubSupPr>
+                                <m:ctrlPr>
+                                  <a:rPr lang="en-US" altLang="ja-JP" i="1">
+                                    <a:latin typeface="Cambria Math" panose="02040503050406030204" pitchFamily="18" charset="0"/>
+                                  </a:rPr>
+                                </m:ctrlPr>
+                              </m:sSubSupPr>
+                              <m:e>
+                                <m:r>
+                                  <a:rPr lang="en-US" altLang="ja-JP" i="1">
+                                    <a:latin typeface="Cambria Math" panose="02040503050406030204" pitchFamily="18" charset="0"/>
+                                  </a:rPr>
+                                  <m:t>𝑧</m:t>
+                                </m:r>
+                              </m:e>
+                              <m:sub>
+                                <m:r>
+                                  <a:rPr lang="en-US" altLang="ja-JP" b="0" i="1" smtClean="0">
+                                    <a:latin typeface="Cambria Math" panose="02040503050406030204" pitchFamily="18" charset="0"/>
+                                  </a:rPr>
+                                  <m:t>3</m:t>
+                                </m:r>
+                              </m:sub>
+                              <m:sup/>
+                            </m:sSubSup>
+                          </m:sup>
+                        </m:sSup>
+                      </m:num>
+                      <m:den>
+                        <m:nary>
+                          <m:naryPr>
+                            <m:chr m:val="∑"/>
+                            <m:ctrlPr>
+                              <a:rPr lang="en-US" altLang="ja-JP" i="1">
+                                <a:latin typeface="Cambria Math" panose="02040503050406030204" pitchFamily="18" charset="0"/>
+                              </a:rPr>
+                            </m:ctrlPr>
+                          </m:naryPr>
+                          <m:sub>
+                            <m:r>
+                              <m:rPr>
+                                <m:brk m:alnAt="23"/>
+                              </m:rPr>
+                              <a:rPr lang="en-US" altLang="ja-JP" i="1">
+                                <a:latin typeface="Cambria Math" panose="02040503050406030204" pitchFamily="18" charset="0"/>
+                              </a:rPr>
+                              <m:t>𝑗</m:t>
+                            </m:r>
+                          </m:sub>
+                          <m:sup>
+                            <m:r>
+                              <a:rPr lang="en-US" altLang="ja-JP" i="1">
+                                <a:latin typeface="Cambria Math" panose="02040503050406030204" pitchFamily="18" charset="0"/>
+                              </a:rPr>
+                              <m:t>3</m:t>
+                            </m:r>
+                          </m:sup>
+                          <m:e>
+                            <m:sSup>
+                              <m:sSupPr>
+                                <m:ctrlPr>
+                                  <a:rPr lang="en-US" altLang="ja-JP" i="1">
+                                    <a:latin typeface="Cambria Math" panose="02040503050406030204" pitchFamily="18" charset="0"/>
+                                  </a:rPr>
+                                </m:ctrlPr>
+                              </m:sSupPr>
+                              <m:e>
+                                <m:r>
+                                  <a:rPr lang="en-US" altLang="ja-JP" i="1">
+                                    <a:latin typeface="Cambria Math" panose="02040503050406030204" pitchFamily="18" charset="0"/>
+                                  </a:rPr>
+                                  <m:t>𝑒</m:t>
+                                </m:r>
+                              </m:e>
+                              <m:sup>
+                                <m:sSub>
+                                  <m:sSubPr>
+                                    <m:ctrlPr>
+                                      <a:rPr lang="en-US" altLang="ja-JP" i="1">
+                                        <a:latin typeface="Cambria Math" panose="02040503050406030204" pitchFamily="18" charset="0"/>
+                                      </a:rPr>
+                                    </m:ctrlPr>
+                                  </m:sSubPr>
+                                  <m:e>
+                                    <m:r>
+                                      <a:rPr lang="en-US" altLang="ja-JP" i="1">
+                                        <a:latin typeface="Cambria Math" panose="02040503050406030204" pitchFamily="18" charset="0"/>
+                                      </a:rPr>
+                                      <m:t>𝑧</m:t>
+                                    </m:r>
+                                  </m:e>
+                                  <m:sub>
+                                    <m:r>
+                                      <a:rPr lang="en-US" altLang="ja-JP" i="1">
+                                        <a:latin typeface="Cambria Math" panose="02040503050406030204" pitchFamily="18" charset="0"/>
+                                      </a:rPr>
+                                      <m:t>𝑗</m:t>
+                                    </m:r>
+                                  </m:sub>
+                                </m:sSub>
+                              </m:sup>
+                            </m:sSup>
+                          </m:e>
+                        </m:nary>
+                      </m:den>
+                    </m:f>
+                    <m:r>
+                      <a:rPr lang="en-US" altLang="ja-JP" b="0" i="1" smtClean="0">
+                        <a:latin typeface="Cambria Math" panose="02040503050406030204" pitchFamily="18" charset="0"/>
+                      </a:rPr>
+                      <m:t>]=</m:t>
+                    </m:r>
+                    <m:d>
+                      <m:dPr>
+                        <m:begChr m:val="["/>
+                        <m:endChr m:val="]"/>
+                        <m:ctrlPr>
+                          <a:rPr lang="en-US" altLang="ja-JP" b="0" i="1" smtClean="0">
+                            <a:latin typeface="Cambria Math" panose="02040503050406030204" pitchFamily="18" charset="0"/>
+                          </a:rPr>
+                        </m:ctrlPr>
+                      </m:dPr>
+                      <m:e>
+                        <m:sSub>
+                          <m:sSubPr>
+                            <m:ctrlPr>
+                              <a:rPr lang="en-US" altLang="ja-JP" b="0" i="1" smtClean="0">
+                                <a:latin typeface="Cambria Math" panose="02040503050406030204" pitchFamily="18" charset="0"/>
+                              </a:rPr>
+                            </m:ctrlPr>
+                          </m:sSubPr>
+                          <m:e>
+                            <m:r>
+                              <a:rPr lang="en-US" altLang="ja-JP" b="0" i="1" smtClean="0">
+                                <a:latin typeface="Cambria Math" panose="02040503050406030204" pitchFamily="18" charset="0"/>
+                              </a:rPr>
+                              <m:t>𝑝</m:t>
+                            </m:r>
+                          </m:e>
+                          <m:sub>
+                            <m:r>
+                              <a:rPr lang="en-US" altLang="ja-JP" b="0" i="1" smtClean="0">
+                                <a:latin typeface="Cambria Math" panose="02040503050406030204" pitchFamily="18" charset="0"/>
+                              </a:rPr>
+                              <m:t>1</m:t>
+                            </m:r>
+                          </m:sub>
+                        </m:sSub>
+                        <m:r>
+                          <a:rPr lang="en-US" altLang="ja-JP" b="0" i="1" smtClean="0">
+                            <a:latin typeface="Cambria Math" panose="02040503050406030204" pitchFamily="18" charset="0"/>
+                          </a:rPr>
+                          <m:t>,</m:t>
+                        </m:r>
+                        <m:sSub>
+                          <m:sSubPr>
+                            <m:ctrlPr>
+                              <a:rPr lang="en-US" altLang="ja-JP" b="0" i="1" smtClean="0">
+                                <a:latin typeface="Cambria Math" panose="02040503050406030204" pitchFamily="18" charset="0"/>
+                              </a:rPr>
+                            </m:ctrlPr>
+                          </m:sSubPr>
+                          <m:e>
+                            <m:r>
+                              <a:rPr lang="en-US" altLang="ja-JP" b="0" i="1" smtClean="0">
+                                <a:latin typeface="Cambria Math" panose="02040503050406030204" pitchFamily="18" charset="0"/>
+                              </a:rPr>
+                              <m:t>𝑝</m:t>
+                            </m:r>
+                          </m:e>
+                          <m:sub>
+                            <m:r>
+                              <a:rPr lang="en-US" altLang="ja-JP" b="0" i="1" smtClean="0">
+                                <a:latin typeface="Cambria Math" panose="02040503050406030204" pitchFamily="18" charset="0"/>
+                              </a:rPr>
+                              <m:t>2</m:t>
+                            </m:r>
+                          </m:sub>
+                        </m:sSub>
+                        <m:r>
+                          <a:rPr lang="en-US" altLang="ja-JP" b="0" i="1" smtClean="0">
+                            <a:latin typeface="Cambria Math" panose="02040503050406030204" pitchFamily="18" charset="0"/>
+                          </a:rPr>
+                          <m:t>,</m:t>
+                        </m:r>
+                        <m:sSub>
+                          <m:sSubPr>
+                            <m:ctrlPr>
+                              <a:rPr lang="en-US" altLang="ja-JP" b="0" i="1" smtClean="0">
+                                <a:latin typeface="Cambria Math" panose="02040503050406030204" pitchFamily="18" charset="0"/>
+                              </a:rPr>
+                            </m:ctrlPr>
+                          </m:sSubPr>
+                          <m:e>
+                            <m:r>
+                              <a:rPr lang="en-US" altLang="ja-JP" b="0" i="1" smtClean="0">
+                                <a:latin typeface="Cambria Math" panose="02040503050406030204" pitchFamily="18" charset="0"/>
+                              </a:rPr>
+                              <m:t>𝑝</m:t>
+                            </m:r>
+                          </m:e>
+                          <m:sub>
+                            <m:r>
+                              <a:rPr lang="en-US" altLang="ja-JP" b="0" i="1" smtClean="0">
+                                <a:latin typeface="Cambria Math" panose="02040503050406030204" pitchFamily="18" charset="0"/>
+                              </a:rPr>
+                              <m:t>3</m:t>
+                            </m:r>
+                          </m:sub>
+                        </m:sSub>
+                      </m:e>
+                    </m:d>
+                    <m:r>
+                      <a:rPr lang="en-US" altLang="ja-JP" b="0" i="1" smtClean="0">
+                        <a:latin typeface="Cambria Math" panose="02040503050406030204" pitchFamily="18" charset="0"/>
+                      </a:rPr>
+                      <m:t>=</m:t>
+                    </m:r>
+                    <m:acc>
+                      <m:accPr>
+                        <m:chr m:val="̂"/>
+                        <m:ctrlPr>
+                          <a:rPr lang="en-US" altLang="ja-JP" b="0" i="1" smtClean="0">
+                            <a:latin typeface="Cambria Math" panose="02040503050406030204" pitchFamily="18" charset="0"/>
+                          </a:rPr>
+                        </m:ctrlPr>
+                      </m:accPr>
+                      <m:e>
+                        <m:r>
+                          <a:rPr lang="en-US" altLang="ja-JP" b="0" i="1" smtClean="0">
+                            <a:latin typeface="Cambria Math" panose="02040503050406030204" pitchFamily="18" charset="0"/>
+                          </a:rPr>
+                          <m:t>𝑦</m:t>
+                        </m:r>
+                      </m:e>
+                    </m:acc>
+                    <m:r>
+                      <a:rPr lang="en-US" altLang="ja-JP" b="0" i="1" smtClean="0">
+                        <a:latin typeface="Cambria Math" panose="02040503050406030204" pitchFamily="18" charset="0"/>
+                      </a:rPr>
+                      <m:t>=</m:t>
+                    </m:r>
+                    <m:r>
+                      <a:rPr lang="ja-JP" altLang="en-US" i="1">
+                        <a:latin typeface="Cambria Math" panose="02040503050406030204" pitchFamily="18" charset="0"/>
+                      </a:rPr>
+                      <m:t>予測値</m:t>
+                    </m:r>
+                  </m:oMath>
+                </a14:m>
+                <a:endParaRPr kumimoji="1" lang="en-US" altLang="ja-JP" dirty="0"/>
+              </a:p>
+              <a:p>
+                <a:r>
+                  <a:rPr kumimoji="1" lang="ja-JP" altLang="en-US" dirty="0"/>
+                  <a:t>それぞれの選択値が正解である確率。</a:t>
+                </a:r>
+                <a:endParaRPr kumimoji="1" lang="en-US" altLang="ja-JP" dirty="0"/>
+              </a:p>
+              <a:p>
+                <a:r>
+                  <a:rPr lang="ja-JP" altLang="en-US" dirty="0"/>
+                  <a:t>分類しょうとするクラスが</a:t>
+                </a:r>
+                <a:r>
+                  <a:rPr lang="en-US" altLang="ja-JP" dirty="0"/>
+                  <a:t>k</a:t>
+                </a:r>
+                <a:r>
+                  <a:rPr lang="ja-JP" altLang="en-US" dirty="0"/>
+                  <a:t>個であるとき、</a:t>
+                </a:r>
+                <a:r>
+                  <a:rPr lang="en-US" altLang="ja-JP" dirty="0"/>
+                  <a:t>k</a:t>
+                </a:r>
+                <a:r>
+                  <a:rPr lang="ja-JP" altLang="en-US" dirty="0"/>
+                  <a:t>次元のベクトルを入力させて、全てのベクトルの元素の値を</a:t>
+                </a:r>
+                <a:r>
+                  <a:rPr lang="en-US" altLang="ja-JP" dirty="0"/>
+                  <a:t>0</a:t>
+                </a:r>
+                <a:r>
+                  <a:rPr lang="ja-JP" altLang="en-US" dirty="0"/>
+                  <a:t>と</a:t>
+                </a:r>
+                <a:r>
+                  <a:rPr lang="en-US" altLang="ja-JP" dirty="0"/>
+                  <a:t>1</a:t>
+                </a:r>
+                <a:r>
+                  <a:rPr lang="ja-JP" altLang="en-US" dirty="0"/>
+                  <a:t>の間の値に返り直し、改めて</a:t>
+                </a:r>
+                <a:r>
+                  <a:rPr lang="en-US" altLang="ja-JP" dirty="0"/>
+                  <a:t>k</a:t>
+                </a:r>
+                <a:r>
+                  <a:rPr lang="ja-JP" altLang="en-US" dirty="0"/>
+                  <a:t>次元のベクトルを返還する。</a:t>
+                </a:r>
+                <a:endParaRPr kumimoji="1" lang="ja-JP" altLang="en-US" dirty="0"/>
+              </a:p>
+            </p:txBody>
+          </p:sp>
+        </mc:Choice>
+        <mc:Fallback>
+          <p:sp>
+            <p:nvSpPr>
+              <p:cNvPr id="3" name="コンテンツ プレースホルダー 2">
+                <a:extLst>
+                  <a:ext uri="{FF2B5EF4-FFF2-40B4-BE49-F238E27FC236}">
+                    <a16:creationId xmlns:a16="http://schemas.microsoft.com/office/drawing/2014/main" id="{EC52FB23-407D-F23C-C727-5CB3FEF1C215}"/>
+                  </a:ext>
+                </a:extLst>
+              </p:cNvPr>
+              <p:cNvSpPr>
+                <a:spLocks noGrp="1" noRot="1" noChangeAspect="1" noMove="1" noResize="1" noEditPoints="1" noAdjustHandles="1" noChangeArrowheads="1" noChangeShapeType="1" noTextEdit="1"/>
+              </p:cNvSpPr>
+              <p:nvPr>
+                <p:ph idx="1"/>
+              </p:nvPr>
+            </p:nvSpPr>
+            <p:spPr>
+              <a:xfrm>
+                <a:off x="1097280" y="1910443"/>
+                <a:ext cx="10058400" cy="4523014"/>
+              </a:xfrm>
+              <a:blipFill>
+                <a:blip r:embed="rId2"/>
+                <a:stretch>
+                  <a:fillRect l="-545" r="-909" b="-809"/>
+                </a:stretch>
+              </a:blipFill>
+            </p:spPr>
+            <p:txBody>
+              <a:bodyPr/>
+              <a:lstStyle/>
+              <a:p>
+                <a:r>
+                  <a:rPr lang="ja-JP" altLang="en-US">
+                    <a:noFill/>
+                  </a:rPr>
+                  <a:t> </a:t>
+                </a:r>
+              </a:p>
+            </p:txBody>
+          </p:sp>
+        </mc:Fallback>
+      </mc:AlternateContent>
+    </p:spTree>
+    <p:extLst>
+      <p:ext uri="{BB962C8B-B14F-4D97-AF65-F5344CB8AC3E}">
+        <p14:creationId xmlns:p14="http://schemas.microsoft.com/office/powerpoint/2010/main" val="158364554"/>
+      </p:ext>
+    </p:extLst>
+  </p:cSld>
+  <p:clrMapOvr>
+    <a:masterClrMapping/>
+  </p:clrMapOvr>
+</p:sld>
+</file>
+
+<file path=ppt/slides/slide15.xml><?xml version="1.0" encoding="utf-8"?>
+<p:sld xmlns:a="http://schemas.openxmlformats.org/drawingml/2006/main" xmlns:r="http://schemas.openxmlformats.org/officeDocument/2006/relationships" xmlns:p="http://schemas.openxmlformats.org/presentationml/2006/main">
+  <p:cSld>
+    <p:spTree>
+      <p:nvGrpSpPr>
+        <p:cNvPr id="1" name=""/>
+        <p:cNvGrpSpPr/>
+        <p:nvPr/>
+      </p:nvGrpSpPr>
+      <p:grpSpPr>
+        <a:xfrm>
+          <a:off x="0" y="0"/>
+          <a:ext cx="0" cy="0"/>
+          <a:chOff x="0" y="0"/>
+          <a:chExt cx="0" cy="0"/>
+        </a:xfrm>
+      </p:grpSpPr>
+      <p:sp>
+        <p:nvSpPr>
+          <p:cNvPr id="2" name="タイトル 1">
+            <a:extLst>
+              <a:ext uri="{FF2B5EF4-FFF2-40B4-BE49-F238E27FC236}">
+                <a16:creationId xmlns:a16="http://schemas.microsoft.com/office/drawing/2014/main" id="{FE74FA16-D80E-6C9C-8DD0-E6314E96AAE2}"/>
+              </a:ext>
+            </a:extLst>
+          </p:cNvPr>
+          <p:cNvSpPr>
+            <a:spLocks noGrp="1"/>
+          </p:cNvSpPr>
+          <p:nvPr>
+            <p:ph type="title"/>
+          </p:nvPr>
+        </p:nvSpPr>
+        <p:spPr/>
+        <p:txBody>
+          <a:bodyPr/>
+          <a:lstStyle/>
+          <a:p>
+            <a:r>
+              <a:rPr lang="en-US" altLang="ja-JP" dirty="0" err="1"/>
+              <a:t>Softmax</a:t>
+            </a:r>
+            <a:r>
+              <a:rPr lang="ja-JP" altLang="en-US" dirty="0"/>
+              <a:t>関数の入力値に変える方法</a:t>
+            </a:r>
+            <a:endParaRPr kumimoji="1" lang="ja-JP" altLang="en-US" dirty="0"/>
+          </a:p>
+        </p:txBody>
+      </p:sp>
+      <p:pic>
+        <p:nvPicPr>
+          <p:cNvPr id="1026" name="Picture 2">
+            <a:extLst>
+              <a:ext uri="{FF2B5EF4-FFF2-40B4-BE49-F238E27FC236}">
+                <a16:creationId xmlns:a16="http://schemas.microsoft.com/office/drawing/2014/main" id="{AD9D4091-9E94-3177-021B-FF44336EC7C8}"/>
+              </a:ext>
+            </a:extLst>
+          </p:cNvPr>
+          <p:cNvPicPr>
+            <a:picLocks noChangeAspect="1" noChangeArrowheads="1"/>
+          </p:cNvPicPr>
+          <p:nvPr/>
+        </p:nvPicPr>
+        <p:blipFill rotWithShape="1">
+          <a:blip r:embed="rId2">
+            <a:extLst>
+              <a:ext uri="{28A0092B-C50C-407E-A947-70E740481C1C}">
+                <a14:useLocalDpi xmlns:a14="http://schemas.microsoft.com/office/drawing/2010/main" val="0"/>
+              </a:ext>
+            </a:extLst>
+          </a:blip>
+          <a:srcRect t="8476" r="-634" b="9238"/>
+          <a:stretch/>
+        </p:blipFill>
+        <p:spPr bwMode="auto">
+          <a:xfrm>
+            <a:off x="1247503" y="2199322"/>
+            <a:ext cx="4878977" cy="1567543"/>
+          </a:xfrm>
+          <a:prstGeom prst="rect">
+            <a:avLst/>
+          </a:prstGeom>
+          <a:noFill/>
+          <a:extLst>
+            <a:ext uri="{909E8E84-426E-40DD-AFC4-6F175D3DCCD1}">
+              <a14:hiddenFill xmlns:a14="http://schemas.microsoft.com/office/drawing/2010/main">
+                <a:solidFill>
+                  <a:srgbClr val="FFFFFF"/>
+                </a:solidFill>
+              </a14:hiddenFill>
+            </a:ext>
+          </a:extLst>
+        </p:spPr>
+      </p:pic>
+      <p:pic>
+        <p:nvPicPr>
+          <p:cNvPr id="1028" name="Picture 4">
+            <a:extLst>
+              <a:ext uri="{FF2B5EF4-FFF2-40B4-BE49-F238E27FC236}">
+                <a16:creationId xmlns:a16="http://schemas.microsoft.com/office/drawing/2014/main" id="{F34E918C-C45F-8C8E-6C60-992D7D7C391E}"/>
+              </a:ext>
+            </a:extLst>
+          </p:cNvPr>
+          <p:cNvPicPr>
+            <a:picLocks noChangeAspect="1" noChangeArrowheads="1"/>
+          </p:cNvPicPr>
+          <p:nvPr/>
+        </p:nvPicPr>
+        <p:blipFill>
+          <a:blip r:embed="rId3">
+            <a:extLst>
+              <a:ext uri="{28A0092B-C50C-407E-A947-70E740481C1C}">
+                <a14:useLocalDpi xmlns:a14="http://schemas.microsoft.com/office/drawing/2010/main" val="0"/>
+              </a:ext>
+            </a:extLst>
+          </a:blip>
+          <a:srcRect/>
+          <a:stretch>
+            <a:fillRect/>
+          </a:stretch>
+        </p:blipFill>
+        <p:spPr bwMode="auto">
+          <a:xfrm>
+            <a:off x="1361806" y="4228827"/>
+            <a:ext cx="2362200" cy="923925"/>
+          </a:xfrm>
+          <a:prstGeom prst="rect">
+            <a:avLst/>
+          </a:prstGeom>
+          <a:noFill/>
+          <a:extLst>
+            <a:ext uri="{909E8E84-426E-40DD-AFC4-6F175D3DCCD1}">
+              <a14:hiddenFill xmlns:a14="http://schemas.microsoft.com/office/drawing/2010/main">
+                <a:solidFill>
+                  <a:srgbClr val="FFFFFF"/>
+                </a:solidFill>
+              </a14:hiddenFill>
+            </a:ext>
+          </a:extLst>
+        </p:spPr>
+      </p:pic>
+      <p:sp>
+        <p:nvSpPr>
+          <p:cNvPr id="5" name="テキスト ボックス 4">
+            <a:extLst>
+              <a:ext uri="{FF2B5EF4-FFF2-40B4-BE49-F238E27FC236}">
+                <a16:creationId xmlns:a16="http://schemas.microsoft.com/office/drawing/2014/main" id="{77B7D003-126D-4B77-275F-9F2B40311B9A}"/>
+              </a:ext>
+            </a:extLst>
+          </p:cNvPr>
+          <p:cNvSpPr txBox="1"/>
+          <p:nvPr/>
+        </p:nvSpPr>
+        <p:spPr>
+          <a:xfrm>
+            <a:off x="6126480" y="2383971"/>
+            <a:ext cx="5532120" cy="1412823"/>
+          </a:xfrm>
+          <a:prstGeom prst="rect">
+            <a:avLst/>
+          </a:prstGeom>
+          <a:noFill/>
+        </p:spPr>
+        <p:txBody>
+          <a:bodyPr wrap="square" rtlCol="0">
+            <a:spAutoFit/>
+          </a:bodyPr>
+          <a:lstStyle/>
+          <a:p>
+            <a:pPr>
+              <a:lnSpc>
+                <a:spcPct val="150000"/>
+              </a:lnSpc>
+            </a:pPr>
+            <a:r>
+              <a:rPr kumimoji="1" lang="ja-JP" altLang="en-US" sz="2000" b="1" dirty="0">
+                <a:latin typeface="Meiryo UI" panose="020B0604030504040204" pitchFamily="50" charset="-128"/>
+                <a:ea typeface="Meiryo UI" panose="020B0604030504040204" pitchFamily="50" charset="-128"/>
+              </a:rPr>
+              <a:t>独立変数が分類しようとするクラスの数と違う時。</a:t>
+            </a:r>
+            <a:endParaRPr kumimoji="1" lang="en-US" altLang="ja-JP" sz="2000" b="1" dirty="0">
+              <a:latin typeface="Meiryo UI" panose="020B0604030504040204" pitchFamily="50" charset="-128"/>
+              <a:ea typeface="Meiryo UI" panose="020B0604030504040204" pitchFamily="50" charset="-128"/>
+            </a:endParaRPr>
+          </a:p>
+          <a:p>
+            <a:pPr>
+              <a:lnSpc>
+                <a:spcPct val="150000"/>
+              </a:lnSpc>
+            </a:pPr>
+            <a:r>
+              <a:rPr kumimoji="1" lang="en-US" altLang="ja-JP" sz="2000" dirty="0">
+                <a:latin typeface="Meiryo UI" panose="020B0604030504040204" pitchFamily="50" charset="-128"/>
+                <a:ea typeface="Meiryo UI" panose="020B0604030504040204" pitchFamily="50" charset="-128"/>
+              </a:rPr>
+              <a:t>(</a:t>
+            </a:r>
+            <a:r>
+              <a:rPr kumimoji="1" lang="en-US" altLang="ja-JP" sz="2000" dirty="0" err="1">
+                <a:latin typeface="Meiryo UI" panose="020B0604030504040204" pitchFamily="50" charset="-128"/>
+                <a:ea typeface="Meiryo UI" panose="020B0604030504040204" pitchFamily="50" charset="-128"/>
+              </a:rPr>
+              <a:t>Softmax</a:t>
+            </a:r>
+            <a:r>
+              <a:rPr kumimoji="1" lang="ja-JP" altLang="en-US" sz="2000" dirty="0">
+                <a:latin typeface="Meiryo UI" panose="020B0604030504040204" pitchFamily="50" charset="-128"/>
+                <a:ea typeface="Meiryo UI" panose="020B0604030504040204" pitchFamily="50" charset="-128"/>
+              </a:rPr>
+              <a:t>関数の入力として使用されるベクトルは分類しようとするクラスの数と同じでなければならない。</a:t>
+            </a:r>
+            <a:endParaRPr kumimoji="1" lang="en-US" altLang="ja-JP" sz="2000" dirty="0">
+              <a:latin typeface="Meiryo UI" panose="020B0604030504040204" pitchFamily="50" charset="-128"/>
+              <a:ea typeface="Meiryo UI" panose="020B0604030504040204" pitchFamily="50" charset="-128"/>
+            </a:endParaRPr>
+          </a:p>
+        </p:txBody>
+      </p:sp>
+      <p:sp>
+        <p:nvSpPr>
+          <p:cNvPr id="6" name="テキスト ボックス 5">
+            <a:extLst>
+              <a:ext uri="{FF2B5EF4-FFF2-40B4-BE49-F238E27FC236}">
+                <a16:creationId xmlns:a16="http://schemas.microsoft.com/office/drawing/2014/main" id="{DBF9E78D-021E-1D7A-B2FE-64DBB89DC6B0}"/>
+              </a:ext>
+            </a:extLst>
+          </p:cNvPr>
+          <p:cNvSpPr txBox="1"/>
+          <p:nvPr/>
+        </p:nvSpPr>
+        <p:spPr>
+          <a:xfrm>
+            <a:off x="4041866" y="4215508"/>
+            <a:ext cx="7322820" cy="1874488"/>
+          </a:xfrm>
+          <a:prstGeom prst="rect">
+            <a:avLst/>
+          </a:prstGeom>
+          <a:noFill/>
+        </p:spPr>
+        <p:txBody>
+          <a:bodyPr wrap="square" rtlCol="0">
+            <a:spAutoFit/>
+          </a:bodyPr>
+          <a:lstStyle/>
+          <a:p>
+            <a:pPr>
+              <a:lnSpc>
+                <a:spcPct val="150000"/>
+              </a:lnSpc>
+            </a:pPr>
+            <a:r>
+              <a:rPr kumimoji="1" lang="en-US" altLang="ja-JP" sz="2000" b="1" dirty="0" err="1">
+                <a:latin typeface="Meiryo UI" panose="020B0604030504040204" pitchFamily="50" charset="-128"/>
+                <a:ea typeface="Meiryo UI" panose="020B0604030504040204" pitchFamily="50" charset="-128"/>
+              </a:rPr>
+              <a:t>Softmax</a:t>
+            </a:r>
+            <a:r>
+              <a:rPr kumimoji="1" lang="ja-JP" altLang="en-US" sz="2000" b="1" dirty="0">
+                <a:latin typeface="Meiryo UI" panose="020B0604030504040204" pitchFamily="50" charset="-128"/>
+                <a:ea typeface="Meiryo UI" panose="020B0604030504040204" pitchFamily="50" charset="-128"/>
+              </a:rPr>
+              <a:t>入力ベクトル</a:t>
+            </a:r>
+            <a:r>
+              <a:rPr kumimoji="1" lang="en-US" altLang="ja-JP" sz="2000" b="1" dirty="0">
+                <a:latin typeface="Meiryo UI" panose="020B0604030504040204" pitchFamily="50" charset="-128"/>
+                <a:ea typeface="Meiryo UI" panose="020B0604030504040204" pitchFamily="50" charset="-128"/>
+              </a:rPr>
+              <a:t>Z</a:t>
+            </a:r>
+            <a:r>
+              <a:rPr kumimoji="1" lang="ja-JP" altLang="en-US" sz="2000" b="1" dirty="0">
+                <a:latin typeface="Meiryo UI" panose="020B0604030504040204" pitchFamily="50" charset="-128"/>
+                <a:ea typeface="Meiryo UI" panose="020B0604030504040204" pitchFamily="50" charset="-128"/>
+              </a:rPr>
+              <a:t>の次元数になるように掛け算をする。</a:t>
+            </a:r>
+            <a:endParaRPr kumimoji="1" lang="en-US" altLang="ja-JP" sz="2000" b="1" dirty="0">
+              <a:latin typeface="Meiryo UI" panose="020B0604030504040204" pitchFamily="50" charset="-128"/>
+              <a:ea typeface="Meiryo UI" panose="020B0604030504040204" pitchFamily="50" charset="-128"/>
+            </a:endParaRPr>
+          </a:p>
+          <a:p>
+            <a:pPr>
+              <a:lnSpc>
+                <a:spcPct val="150000"/>
+              </a:lnSpc>
+            </a:pPr>
+            <a:r>
+              <a:rPr kumimoji="1" lang="en-US" altLang="ja-JP" sz="2000" dirty="0">
+                <a:latin typeface="Meiryo UI" panose="020B0604030504040204" pitchFamily="50" charset="-128"/>
+                <a:ea typeface="Meiryo UI" panose="020B0604030504040204" pitchFamily="50" charset="-128"/>
+              </a:rPr>
+              <a:t>(Linear transformation)</a:t>
+            </a:r>
+          </a:p>
+          <a:p>
+            <a:pPr>
+              <a:lnSpc>
+                <a:spcPct val="150000"/>
+              </a:lnSpc>
+            </a:pPr>
+            <a:r>
+              <a:rPr kumimoji="1" lang="ja-JP" altLang="en-US" sz="2000" dirty="0">
+                <a:latin typeface="Meiryo UI" panose="020B0604030504040204" pitchFamily="50" charset="-128"/>
+                <a:ea typeface="Meiryo UI" panose="020B0604030504040204" pitchFamily="50" charset="-128"/>
+              </a:rPr>
+              <a:t>この例では、</a:t>
+            </a:r>
+            <a:r>
+              <a:rPr kumimoji="1" lang="en-US" altLang="ja-JP" sz="2000" dirty="0">
+                <a:latin typeface="Meiryo UI" panose="020B0604030504040204" pitchFamily="50" charset="-128"/>
+                <a:ea typeface="Meiryo UI" panose="020B0604030504040204" pitchFamily="50" charset="-128"/>
+              </a:rPr>
+              <a:t>4*3=12</a:t>
+            </a:r>
+            <a:r>
+              <a:rPr kumimoji="1" lang="ja-JP" altLang="en-US" sz="2000" dirty="0">
+                <a:latin typeface="Meiryo UI" panose="020B0604030504040204" pitchFamily="50" charset="-128"/>
+                <a:ea typeface="Meiryo UI" panose="020B0604030504040204" pitchFamily="50" charset="-128"/>
+              </a:rPr>
+              <a:t>なので、</a:t>
+            </a:r>
+            <a:r>
+              <a:rPr kumimoji="1" lang="en-US" altLang="ja-JP" sz="2000" dirty="0">
+                <a:latin typeface="Meiryo UI" panose="020B0604030504040204" pitchFamily="50" charset="-128"/>
+                <a:ea typeface="Meiryo UI" panose="020B0604030504040204" pitchFamily="50" charset="-128"/>
+              </a:rPr>
+              <a:t>12</a:t>
+            </a:r>
+            <a:r>
+              <a:rPr kumimoji="1" lang="ja-JP" altLang="en-US" sz="2000" dirty="0">
+                <a:latin typeface="Meiryo UI" panose="020B0604030504040204" pitchFamily="50" charset="-128"/>
+                <a:ea typeface="Meiryo UI" panose="020B0604030504040204" pitchFamily="50" charset="-128"/>
+              </a:rPr>
+              <a:t>個の掛け算になり、それぞれ違う重みを持つ。なお、学習の過程でどんどん誤差が低くなる値になっていく。</a:t>
+            </a:r>
+            <a:endParaRPr kumimoji="1" lang="en-US" altLang="ja-JP" sz="2000" dirty="0">
+              <a:latin typeface="Meiryo UI" panose="020B0604030504040204" pitchFamily="50" charset="-128"/>
+              <a:ea typeface="Meiryo UI" panose="020B0604030504040204" pitchFamily="50" charset="-128"/>
+            </a:endParaRPr>
+          </a:p>
+        </p:txBody>
+      </p:sp>
+      <p:cxnSp>
+        <p:nvCxnSpPr>
+          <p:cNvPr id="8" name="直線矢印コネクタ 7">
+            <a:extLst>
+              <a:ext uri="{FF2B5EF4-FFF2-40B4-BE49-F238E27FC236}">
+                <a16:creationId xmlns:a16="http://schemas.microsoft.com/office/drawing/2014/main" id="{3697A57E-3632-59CB-C18B-AA36F691AB20}"/>
+              </a:ext>
+            </a:extLst>
+          </p:cNvPr>
+          <p:cNvCxnSpPr>
+            <a:cxnSpLocks/>
+          </p:cNvCxnSpPr>
+          <p:nvPr/>
+        </p:nvCxnSpPr>
+        <p:spPr>
+          <a:xfrm>
+            <a:off x="3120851" y="3123040"/>
+            <a:ext cx="0" cy="1138445"/>
+          </a:xfrm>
+          <a:prstGeom prst="straightConnector1">
+            <a:avLst/>
+          </a:prstGeom>
+          <a:ln w="41275">
+            <a:solidFill>
+              <a:schemeClr val="accent1"/>
+            </a:solidFill>
+            <a:tailEnd type="triangle"/>
+          </a:ln>
+        </p:spPr>
+        <p:style>
+          <a:lnRef idx="1">
+            <a:schemeClr val="accent1"/>
+          </a:lnRef>
+          <a:fillRef idx="0">
+            <a:schemeClr val="accent1"/>
+          </a:fillRef>
+          <a:effectRef idx="0">
+            <a:schemeClr val="accent1"/>
+          </a:effectRef>
+          <a:fontRef idx="minor">
+            <a:schemeClr val="tx1"/>
+          </a:fontRef>
+        </p:style>
+      </p:cxnSp>
+      <p:sp>
+        <p:nvSpPr>
+          <p:cNvPr id="14" name="テキスト ボックス 13">
+            <a:extLst>
+              <a:ext uri="{FF2B5EF4-FFF2-40B4-BE49-F238E27FC236}">
+                <a16:creationId xmlns:a16="http://schemas.microsoft.com/office/drawing/2014/main" id="{6C01D595-711F-5202-EE44-D5900678729B}"/>
+              </a:ext>
+            </a:extLst>
+          </p:cNvPr>
+          <p:cNvSpPr txBox="1"/>
+          <p:nvPr/>
+        </p:nvSpPr>
+        <p:spPr>
+          <a:xfrm>
+            <a:off x="1361806" y="5274127"/>
+            <a:ext cx="2362200" cy="400110"/>
+          </a:xfrm>
+          <a:prstGeom prst="rect">
+            <a:avLst/>
+          </a:prstGeom>
+          <a:noFill/>
+        </p:spPr>
+        <p:txBody>
+          <a:bodyPr wrap="square" rtlCol="0">
+            <a:spAutoFit/>
+          </a:bodyPr>
+          <a:lstStyle/>
+          <a:p>
+            <a:r>
+              <a:rPr kumimoji="1" lang="en-US" altLang="ja-JP" sz="1000" dirty="0"/>
+              <a:t>Image: </a:t>
+            </a:r>
+            <a:r>
+              <a:rPr kumimoji="1" lang="ko-KR" altLang="en-US" sz="1000" dirty="0"/>
+              <a:t>딥 러닝을 이용한 자연어 처리 입문 </a:t>
+            </a:r>
+            <a:r>
+              <a:rPr kumimoji="1" lang="en-US" altLang="ko-KR" sz="1000" dirty="0"/>
+              <a:t>(</a:t>
+            </a:r>
+            <a:r>
+              <a:rPr kumimoji="1" lang="ko-KR" altLang="en-US" sz="1000" dirty="0"/>
+              <a:t>유원준</a:t>
+            </a:r>
+            <a:r>
+              <a:rPr kumimoji="1" lang="en-US" altLang="ko-KR" sz="1000" dirty="0"/>
+              <a:t>/</a:t>
+            </a:r>
+            <a:r>
+              <a:rPr kumimoji="1" lang="ko-KR" altLang="en-US" sz="1000" dirty="0"/>
+              <a:t>안상준 저</a:t>
+            </a:r>
+            <a:r>
+              <a:rPr kumimoji="1" lang="en-US" altLang="ko-KR" sz="1000" dirty="0"/>
+              <a:t>, 2022)</a:t>
+            </a:r>
+            <a:endParaRPr kumimoji="1" lang="ja-JP" altLang="en-US" sz="1000" dirty="0"/>
+          </a:p>
+        </p:txBody>
+      </p:sp>
+    </p:spTree>
+    <p:extLst>
+      <p:ext uri="{BB962C8B-B14F-4D97-AF65-F5344CB8AC3E}">
+        <p14:creationId xmlns:p14="http://schemas.microsoft.com/office/powerpoint/2010/main" val="3339796584"/>
+      </p:ext>
+    </p:extLst>
+  </p:cSld>
+  <p:clrMapOvr>
+    <a:masterClrMapping/>
+  </p:clrMapOvr>
+</p:sld>
+</file>
+
+<file path=ppt/slides/slide16.xml><?xml version="1.0" encoding="utf-8"?>
+<p:sld xmlns:a="http://schemas.openxmlformats.org/drawingml/2006/main" xmlns:r="http://schemas.openxmlformats.org/officeDocument/2006/relationships" xmlns:p="http://schemas.openxmlformats.org/presentationml/2006/main">
+  <p:cSld>
+    <p:spTree>
+      <p:nvGrpSpPr>
+        <p:cNvPr id="1" name=""/>
+        <p:cNvGrpSpPr/>
+        <p:nvPr/>
+      </p:nvGrpSpPr>
+      <p:grpSpPr>
+        <a:xfrm>
+          <a:off x="0" y="0"/>
+          <a:ext cx="0" cy="0"/>
+          <a:chOff x="0" y="0"/>
+          <a:chExt cx="0" cy="0"/>
+        </a:xfrm>
+      </p:grpSpPr>
+      <p:sp>
+        <p:nvSpPr>
+          <p:cNvPr id="2" name="タイトル 1">
+            <a:extLst>
+              <a:ext uri="{FF2B5EF4-FFF2-40B4-BE49-F238E27FC236}">
+                <a16:creationId xmlns:a16="http://schemas.microsoft.com/office/drawing/2014/main" id="{6DCD9A35-9962-F3A0-91B7-CB507CEEDF95}"/>
+              </a:ext>
+            </a:extLst>
+          </p:cNvPr>
+          <p:cNvSpPr>
+            <a:spLocks noGrp="1"/>
+          </p:cNvSpPr>
+          <p:nvPr>
+            <p:ph type="title"/>
+          </p:nvPr>
+        </p:nvSpPr>
+        <p:spPr/>
+        <p:txBody>
+          <a:bodyPr/>
+          <a:lstStyle/>
+          <a:p>
+            <a:r>
+              <a:rPr kumimoji="1" lang="en-US" altLang="ko-KR" dirty="0" err="1"/>
+              <a:t>Softmax</a:t>
+            </a:r>
+            <a:r>
+              <a:rPr kumimoji="1" lang="ja-JP" altLang="en-US" dirty="0"/>
+              <a:t>関数の誤差計算法</a:t>
+            </a:r>
+          </a:p>
+        </p:txBody>
+      </p:sp>
+      <p:sp>
+        <p:nvSpPr>
+          <p:cNvPr id="3" name="コンテンツ プレースホルダー 2">
+            <a:extLst>
+              <a:ext uri="{FF2B5EF4-FFF2-40B4-BE49-F238E27FC236}">
+                <a16:creationId xmlns:a16="http://schemas.microsoft.com/office/drawing/2014/main" id="{F455EEB2-EEA6-25D1-1E54-7B0E178F95E8}"/>
+              </a:ext>
+            </a:extLst>
+          </p:cNvPr>
+          <p:cNvSpPr>
+            <a:spLocks noGrp="1"/>
+          </p:cNvSpPr>
+          <p:nvPr>
+            <p:ph idx="1"/>
+          </p:nvPr>
+        </p:nvSpPr>
+        <p:spPr/>
+        <p:txBody>
+          <a:bodyPr/>
+          <a:lstStyle/>
+          <a:p>
+            <a:r>
+              <a:rPr lang="en-US" altLang="ja-JP" dirty="0" err="1"/>
+              <a:t>Softmax</a:t>
+            </a:r>
+            <a:r>
+              <a:rPr lang="ja-JP" altLang="en-US" dirty="0"/>
+              <a:t>関数の結果は、分類しようとするクラスの数を次元数とするベクトルで、各元素は</a:t>
+            </a:r>
+            <a:r>
+              <a:rPr lang="en-US" altLang="ja-JP" dirty="0"/>
+              <a:t>0</a:t>
+            </a:r>
+            <a:r>
+              <a:rPr lang="ja-JP" altLang="en-US" dirty="0"/>
+              <a:t>と</a:t>
+            </a:r>
+            <a:r>
+              <a:rPr lang="en-US" altLang="ja-JP" dirty="0"/>
+              <a:t>1</a:t>
+            </a:r>
+            <a:r>
+              <a:rPr lang="ja-JP" altLang="en-US" dirty="0"/>
+              <a:t>の間の値</a:t>
+            </a:r>
+            <a:r>
+              <a:rPr lang="en-US" altLang="ja-JP" dirty="0"/>
+              <a:t>(</a:t>
+            </a:r>
+            <a:r>
+              <a:rPr lang="ja-JP" altLang="en-US" dirty="0"/>
+              <a:t>それぞれのクラスが正解である確率</a:t>
+            </a:r>
+            <a:r>
+              <a:rPr lang="en-US" altLang="ja-JP" dirty="0"/>
+              <a:t>)</a:t>
+            </a:r>
+            <a:r>
+              <a:rPr lang="ja-JP" altLang="en-US" dirty="0"/>
+              <a:t>を持つ。</a:t>
+            </a:r>
+            <a:endParaRPr lang="en-US" altLang="ja-JP" dirty="0"/>
+          </a:p>
+          <a:p>
+            <a:r>
+              <a:rPr lang="ja-JP" altLang="en-US" dirty="0"/>
+              <a:t>このようなベクトルの予測値と実際値の比較をするためには、実際値をベクトル化させる必要がある。</a:t>
+            </a:r>
+            <a:endParaRPr lang="en-US" altLang="ja-JP" dirty="0"/>
+          </a:p>
+          <a:p>
+            <a:r>
+              <a:rPr lang="ja-JP" altLang="en-US" dirty="0"/>
+              <a:t>そのベクトル化の方法として、</a:t>
+            </a:r>
+            <a:r>
+              <a:rPr lang="en-US" altLang="ja-JP" dirty="0" err="1"/>
+              <a:t>Softmax</a:t>
+            </a:r>
+            <a:r>
+              <a:rPr lang="ja-JP" altLang="en-US" dirty="0"/>
+              <a:t>回帰では</a:t>
+            </a:r>
+            <a:r>
+              <a:rPr lang="en-US" altLang="ja-JP" dirty="0"/>
+              <a:t>One-Hot Vector</a:t>
+            </a:r>
+            <a:r>
+              <a:rPr lang="ja-JP" altLang="en-US" dirty="0"/>
+              <a:t>方式を使う。</a:t>
+            </a:r>
+            <a:endParaRPr lang="en-US" altLang="ja-JP" dirty="0"/>
+          </a:p>
+        </p:txBody>
+      </p:sp>
+      <p:pic>
+        <p:nvPicPr>
+          <p:cNvPr id="7" name="図 6">
+            <a:extLst>
+              <a:ext uri="{FF2B5EF4-FFF2-40B4-BE49-F238E27FC236}">
+                <a16:creationId xmlns:a16="http://schemas.microsoft.com/office/drawing/2014/main" id="{FE2F7A83-42F3-1B3B-F83C-32BD1ACF03C6}"/>
+              </a:ext>
+            </a:extLst>
+          </p:cNvPr>
+          <p:cNvPicPr>
+            <a:picLocks noChangeAspect="1"/>
+          </p:cNvPicPr>
+          <p:nvPr/>
+        </p:nvPicPr>
+        <p:blipFill>
+          <a:blip r:embed="rId2"/>
+          <a:stretch>
+            <a:fillRect/>
+          </a:stretch>
+        </p:blipFill>
+        <p:spPr>
+          <a:xfrm>
+            <a:off x="1097279" y="3988645"/>
+            <a:ext cx="6273501" cy="1865395"/>
+          </a:xfrm>
+          <a:prstGeom prst="rect">
+            <a:avLst/>
+          </a:prstGeom>
+        </p:spPr>
+      </p:pic>
+      <p:sp>
+        <p:nvSpPr>
+          <p:cNvPr id="8" name="テキスト ボックス 7">
+            <a:extLst>
+              <a:ext uri="{FF2B5EF4-FFF2-40B4-BE49-F238E27FC236}">
+                <a16:creationId xmlns:a16="http://schemas.microsoft.com/office/drawing/2014/main" id="{41595943-84DC-437D-3E75-B5B7FA76A4D6}"/>
+              </a:ext>
+            </a:extLst>
+          </p:cNvPr>
+          <p:cNvSpPr txBox="1"/>
+          <p:nvPr/>
+        </p:nvSpPr>
+        <p:spPr>
+          <a:xfrm>
+            <a:off x="1097279" y="5854040"/>
+            <a:ext cx="4062549" cy="246221"/>
+          </a:xfrm>
+          <a:prstGeom prst="rect">
+            <a:avLst/>
+          </a:prstGeom>
+          <a:noFill/>
+        </p:spPr>
+        <p:txBody>
+          <a:bodyPr wrap="square" rtlCol="0">
+            <a:spAutoFit/>
+          </a:bodyPr>
+          <a:lstStyle/>
+          <a:p>
+            <a:r>
+              <a:rPr kumimoji="1" lang="en-US" altLang="ja-JP" sz="1000" dirty="0"/>
+              <a:t>Image: </a:t>
+            </a:r>
+            <a:r>
+              <a:rPr kumimoji="1" lang="ko-KR" altLang="en-US" sz="1000" dirty="0"/>
+              <a:t>딥 러닝을 이용한 자연어 처리 입문 </a:t>
+            </a:r>
+            <a:r>
+              <a:rPr kumimoji="1" lang="en-US" altLang="ko-KR" sz="1000" dirty="0"/>
+              <a:t>(</a:t>
+            </a:r>
+            <a:r>
+              <a:rPr kumimoji="1" lang="ko-KR" altLang="en-US" sz="1000" dirty="0"/>
+              <a:t>유원준</a:t>
+            </a:r>
+            <a:r>
+              <a:rPr kumimoji="1" lang="en-US" altLang="ko-KR" sz="1000" dirty="0"/>
+              <a:t>/</a:t>
+            </a:r>
+            <a:r>
+              <a:rPr kumimoji="1" lang="ko-KR" altLang="en-US" sz="1000" dirty="0"/>
+              <a:t>안상준 저</a:t>
+            </a:r>
+            <a:r>
+              <a:rPr kumimoji="1" lang="en-US" altLang="ko-KR" sz="1000" dirty="0"/>
+              <a:t>, 2022)</a:t>
+            </a:r>
+            <a:endParaRPr kumimoji="1" lang="ja-JP" altLang="en-US" sz="1000" dirty="0"/>
+          </a:p>
+        </p:txBody>
+      </p:sp>
+      <p:sp>
+        <p:nvSpPr>
+          <p:cNvPr id="9" name="テキスト ボックス 8">
+            <a:extLst>
+              <a:ext uri="{FF2B5EF4-FFF2-40B4-BE49-F238E27FC236}">
+                <a16:creationId xmlns:a16="http://schemas.microsoft.com/office/drawing/2014/main" id="{52C520BB-5685-AA6F-D7BB-AD0B0746A539}"/>
+              </a:ext>
+            </a:extLst>
+          </p:cNvPr>
+          <p:cNvSpPr txBox="1"/>
+          <p:nvPr/>
+        </p:nvSpPr>
+        <p:spPr>
+          <a:xfrm>
+            <a:off x="7370780" y="5499760"/>
+            <a:ext cx="3171281" cy="369332"/>
+          </a:xfrm>
+          <a:prstGeom prst="rect">
+            <a:avLst/>
+          </a:prstGeom>
+          <a:noFill/>
+        </p:spPr>
+        <p:txBody>
+          <a:bodyPr wrap="square" rtlCol="0">
+            <a:spAutoFit/>
+          </a:bodyPr>
+          <a:lstStyle/>
+          <a:p>
+            <a:r>
+              <a:rPr kumimoji="1" lang="ja-JP" altLang="en-US" dirty="0">
+                <a:latin typeface="Meiryo UI" panose="020B0604030504040204" pitchFamily="50" charset="-128"/>
+                <a:ea typeface="Meiryo UI" panose="020B0604030504040204" pitchFamily="50" charset="-128"/>
+              </a:rPr>
+              <a:t>誤差の計算 </a:t>
+            </a:r>
+            <a:r>
+              <a:rPr kumimoji="1" lang="en-US" altLang="ja-JP" dirty="0">
+                <a:latin typeface="Meiryo UI" panose="020B0604030504040204" pitchFamily="50" charset="-128"/>
+                <a:ea typeface="Meiryo UI" panose="020B0604030504040204" pitchFamily="50" charset="-128"/>
+              </a:rPr>
+              <a:t>: Cross Entropy</a:t>
+            </a:r>
+            <a:endParaRPr kumimoji="1" lang="ja-JP" altLang="en-US" dirty="0">
+              <a:latin typeface="Meiryo UI" panose="020B0604030504040204" pitchFamily="50" charset="-128"/>
+              <a:ea typeface="Meiryo UI" panose="020B0604030504040204" pitchFamily="50" charset="-128"/>
+            </a:endParaRPr>
+          </a:p>
+        </p:txBody>
+      </p:sp>
+    </p:spTree>
+    <p:extLst>
+      <p:ext uri="{BB962C8B-B14F-4D97-AF65-F5344CB8AC3E}">
+        <p14:creationId xmlns:p14="http://schemas.microsoft.com/office/powerpoint/2010/main" val="291320725"/>
+      </p:ext>
+    </p:extLst>
+  </p:cSld>
+  <p:clrMapOvr>
+    <a:masterClrMapping/>
+  </p:clrMapOvr>
+</p:sld>
+</file>
+
+<file path=ppt/slides/slide17.xml><?xml version="1.0" encoding="utf-8"?>
+<p:sld xmlns:a="http://schemas.openxmlformats.org/drawingml/2006/main" xmlns:r="http://schemas.openxmlformats.org/officeDocument/2006/relationships" xmlns:p="http://schemas.openxmlformats.org/presentationml/2006/main">
+  <p:cSld>
+    <p:spTree>
+      <p:nvGrpSpPr>
+        <p:cNvPr id="1" name=""/>
+        <p:cNvGrpSpPr/>
+        <p:nvPr/>
+      </p:nvGrpSpPr>
+      <p:grpSpPr>
+        <a:xfrm>
+          <a:off x="0" y="0"/>
+          <a:ext cx="0" cy="0"/>
+          <a:chOff x="0" y="0"/>
+          <a:chExt cx="0" cy="0"/>
+        </a:xfrm>
+      </p:grpSpPr>
+      <p:sp>
+        <p:nvSpPr>
+          <p:cNvPr id="2" name="タイトル 1">
+            <a:extLst>
+              <a:ext uri="{FF2B5EF4-FFF2-40B4-BE49-F238E27FC236}">
+                <a16:creationId xmlns:a16="http://schemas.microsoft.com/office/drawing/2014/main" id="{5FAF096D-9A44-63C3-0DEF-00EB48BA5AE4}"/>
+              </a:ext>
+            </a:extLst>
+          </p:cNvPr>
+          <p:cNvSpPr>
+            <a:spLocks noGrp="1"/>
+          </p:cNvSpPr>
+          <p:nvPr>
+            <p:ph type="title"/>
+          </p:nvPr>
+        </p:nvSpPr>
+        <p:spPr/>
+        <p:txBody>
+          <a:bodyPr/>
+          <a:lstStyle/>
+          <a:p>
+            <a:r>
+              <a:rPr kumimoji="1" lang="en-US" altLang="ja-JP" dirty="0" err="1"/>
+              <a:t>Softmax</a:t>
+            </a:r>
+            <a:r>
+              <a:rPr kumimoji="1" lang="ja-JP" altLang="en-US" dirty="0"/>
+              <a:t>回帰と行列演算</a:t>
+            </a:r>
+          </a:p>
+        </p:txBody>
+      </p:sp>
+      <mc:AlternateContent xmlns:mc="http://schemas.openxmlformats.org/markup-compatibility/2006">
+        <mc:Choice xmlns:a14="http://schemas.microsoft.com/office/drawing/2010/main" Requires="a14">
+          <p:sp>
+            <p:nvSpPr>
+              <p:cNvPr id="3" name="コンテンツ プレースホルダー 2">
+                <a:extLst>
+                  <a:ext uri="{FF2B5EF4-FFF2-40B4-BE49-F238E27FC236}">
+                    <a16:creationId xmlns:a16="http://schemas.microsoft.com/office/drawing/2014/main" id="{0A96CB2E-DE70-9705-DC51-DBADAD0C28E8}"/>
+                  </a:ext>
+                </a:extLst>
+              </p:cNvPr>
+              <p:cNvSpPr>
+                <a:spLocks noGrp="1"/>
+              </p:cNvSpPr>
+              <p:nvPr>
+                <p:ph idx="1"/>
+              </p:nvPr>
+            </p:nvSpPr>
+            <p:spPr/>
+            <p:txBody>
+              <a:bodyPr/>
+              <a:lstStyle/>
+              <a:p>
+                <a:r>
+                  <a:rPr kumimoji="1" lang="ja-JP" altLang="en-US" dirty="0"/>
+                  <a:t>入力 </a:t>
+                </a:r>
+                <a14:m>
+                  <m:oMath xmlns:m="http://schemas.openxmlformats.org/officeDocument/2006/math">
+                    <m:r>
+                      <m:rPr>
+                        <m:sty m:val="p"/>
+                      </m:rPr>
+                      <a:rPr kumimoji="1" lang="en-US" altLang="ja-JP" b="0" i="0" smtClean="0">
+                        <a:latin typeface="Cambria Math" panose="02040503050406030204" pitchFamily="18" charset="0"/>
+                      </a:rPr>
+                      <m:t>dim</m:t>
+                    </m:r>
+                    <m:r>
+                      <a:rPr kumimoji="1" lang="en-US" altLang="ja-JP" b="0" i="0" smtClean="0">
+                        <a:latin typeface="Cambria Math" panose="02040503050406030204" pitchFamily="18" charset="0"/>
+                      </a:rPr>
+                      <m:t> </m:t>
+                    </m:r>
+                    <m:r>
+                      <a:rPr kumimoji="1" lang="en-US" altLang="ja-JP" b="0" i="1" smtClean="0">
+                        <a:latin typeface="Cambria Math" panose="02040503050406030204" pitchFamily="18" charset="0"/>
+                      </a:rPr>
+                      <m:t>𝑥</m:t>
+                    </m:r>
+                    <m:r>
+                      <a:rPr kumimoji="1" lang="en-US" altLang="ja-JP" b="0" i="1" smtClean="0">
+                        <a:latin typeface="Cambria Math" panose="02040503050406030204" pitchFamily="18" charset="0"/>
+                      </a:rPr>
+                      <m:t>=</m:t>
+                    </m:r>
+                    <m:r>
+                      <a:rPr kumimoji="1" lang="en-US" altLang="ja-JP" b="0" i="1" smtClean="0">
+                        <a:latin typeface="Cambria Math" panose="02040503050406030204" pitchFamily="18" charset="0"/>
+                      </a:rPr>
+                      <m:t>𝑛</m:t>
+                    </m:r>
+                    <m:r>
+                      <a:rPr kumimoji="1" lang="en-US" altLang="ja-JP" b="0" i="1" smtClean="0">
+                        <a:latin typeface="Cambria Math" panose="02040503050406030204" pitchFamily="18" charset="0"/>
+                      </a:rPr>
+                      <m:t>(</m:t>
+                    </m:r>
+                    <m:r>
+                      <a:rPr kumimoji="1" lang="en-US" altLang="ja-JP" b="0" i="1" smtClean="0">
+                        <a:latin typeface="Cambria Math" panose="02040503050406030204" pitchFamily="18" charset="0"/>
+                      </a:rPr>
+                      <m:t>𝑓𝑒𝑎𝑡𝑢𝑟𝑒</m:t>
+                    </m:r>
+                    <m:r>
+                      <a:rPr kumimoji="1" lang="en-US" altLang="ja-JP" b="0" i="1" smtClean="0">
+                        <a:latin typeface="Cambria Math" panose="02040503050406030204" pitchFamily="18" charset="0"/>
+                      </a:rPr>
+                      <m:t>)</m:t>
+                    </m:r>
+                  </m:oMath>
+                </a14:m>
+                <a:r>
+                  <a:rPr kumimoji="1" lang="en-US" altLang="ja-JP" dirty="0"/>
+                  <a:t>(</a:t>
+                </a:r>
+                <a:r>
+                  <a:rPr lang="en-US" altLang="ja-JP" dirty="0"/>
+                  <a:t>feature</a:t>
+                </a:r>
+                <a:r>
+                  <a:rPr lang="ko-KR" altLang="en-US" dirty="0"/>
+                  <a:t>の数</a:t>
+                </a:r>
+                <a:r>
+                  <a:rPr lang="en-US" altLang="ko-KR" dirty="0"/>
+                  <a:t>)</a:t>
+                </a:r>
+              </a:p>
+              <a:p>
+                <a:r>
+                  <a:rPr kumimoji="1" lang="ja-JP" altLang="en-US" dirty="0"/>
+                  <a:t>重み行列</a:t>
+                </a:r>
+                <a14:m>
+                  <m:oMath xmlns:m="http://schemas.openxmlformats.org/officeDocument/2006/math">
+                    <m:r>
+                      <a:rPr kumimoji="1" lang="en-US" altLang="ja-JP" b="0" i="1" smtClean="0">
+                        <a:latin typeface="Cambria Math" panose="02040503050406030204" pitchFamily="18" charset="0"/>
+                      </a:rPr>
+                      <m:t>𝑊</m:t>
+                    </m:r>
+                  </m:oMath>
+                </a14:m>
+                <a:r>
+                  <a:rPr kumimoji="1" lang="ja-JP" altLang="en-US" dirty="0"/>
+                  <a:t> 、　偏向</a:t>
+                </a:r>
+                <a14:m>
+                  <m:oMath xmlns:m="http://schemas.openxmlformats.org/officeDocument/2006/math">
+                    <m:r>
+                      <a:rPr kumimoji="1" lang="en-US" altLang="ja-JP" b="0" i="1" smtClean="0">
+                        <a:latin typeface="Cambria Math" panose="02040503050406030204" pitchFamily="18" charset="0"/>
+                      </a:rPr>
+                      <m:t>𝑏</m:t>
+                    </m:r>
+                  </m:oMath>
+                </a14:m>
+                <a:endParaRPr kumimoji="1" lang="en-US" altLang="ja-JP" dirty="0"/>
+              </a:p>
+              <a:p>
+                <a:endParaRPr kumimoji="1" lang="en-US" altLang="ja-JP" dirty="0"/>
+              </a:p>
+              <a:p>
+                <a14:m>
+                  <m:oMath xmlns:m="http://schemas.openxmlformats.org/officeDocument/2006/math">
+                    <m:r>
+                      <a:rPr kumimoji="1" lang="en-US" altLang="ja-JP" b="0" i="1" smtClean="0">
+                        <a:latin typeface="Cambria Math" panose="02040503050406030204" pitchFamily="18" charset="0"/>
+                      </a:rPr>
+                      <m:t>𝑠𝑜𝑓𝑡𝑚𝑎𝑥</m:t>
+                    </m:r>
+                    <m:d>
+                      <m:dPr>
+                        <m:ctrlPr>
+                          <a:rPr kumimoji="1" lang="en-US" altLang="ja-JP" b="0" i="1" smtClean="0">
+                            <a:latin typeface="Cambria Math" panose="02040503050406030204" pitchFamily="18" charset="0"/>
+                          </a:rPr>
+                        </m:ctrlPr>
+                      </m:dPr>
+                      <m:e>
+                        <m:sSub>
+                          <m:sSubPr>
+                            <m:ctrlPr>
+                              <a:rPr kumimoji="1" lang="en-US" altLang="ja-JP" b="0" i="1" smtClean="0">
+                                <a:latin typeface="Cambria Math" panose="02040503050406030204" pitchFamily="18" charset="0"/>
+                              </a:rPr>
+                            </m:ctrlPr>
+                          </m:sSubPr>
+                          <m:e>
+                            <m:r>
+                              <a:rPr kumimoji="1" lang="en-US" altLang="ja-JP" b="0" i="1" smtClean="0">
+                                <a:latin typeface="Cambria Math" panose="02040503050406030204" pitchFamily="18" charset="0"/>
+                              </a:rPr>
+                              <m:t>𝑊</m:t>
+                            </m:r>
+                          </m:e>
+                          <m:sub>
+                            <m:r>
+                              <a:rPr kumimoji="1" lang="en-US" altLang="ja-JP" b="0" i="1" smtClean="0">
+                                <a:latin typeface="Cambria Math" panose="02040503050406030204" pitchFamily="18" charset="0"/>
+                              </a:rPr>
+                              <m:t>3 4</m:t>
+                            </m:r>
+                          </m:sub>
+                        </m:sSub>
+                        <m:r>
+                          <a:rPr kumimoji="1" lang="en-US" altLang="ja-JP" b="0" i="1" smtClean="0">
+                            <a:latin typeface="Cambria Math" panose="02040503050406030204" pitchFamily="18" charset="0"/>
+                          </a:rPr>
+                          <m:t>∗</m:t>
+                        </m:r>
+                        <m:sSub>
+                          <m:sSubPr>
+                            <m:ctrlPr>
+                              <a:rPr kumimoji="1" lang="en-US" altLang="ja-JP" b="0" i="1" smtClean="0">
+                                <a:latin typeface="Cambria Math" panose="02040503050406030204" pitchFamily="18" charset="0"/>
+                              </a:rPr>
+                            </m:ctrlPr>
+                          </m:sSubPr>
+                          <m:e>
+                            <m:r>
+                              <a:rPr kumimoji="1" lang="en-US" altLang="ja-JP" b="0" i="1" smtClean="0">
+                                <a:latin typeface="Cambria Math" panose="02040503050406030204" pitchFamily="18" charset="0"/>
+                              </a:rPr>
+                              <m:t>𝑥</m:t>
+                            </m:r>
+                          </m:e>
+                          <m:sub>
+                            <m:r>
+                              <a:rPr kumimoji="1" lang="en-US" altLang="ja-JP" b="0" i="1" smtClean="0">
+                                <a:latin typeface="Cambria Math" panose="02040503050406030204" pitchFamily="18" charset="0"/>
+                              </a:rPr>
+                              <m:t>4</m:t>
+                            </m:r>
+                          </m:sub>
+                        </m:sSub>
+                        <m:r>
+                          <a:rPr kumimoji="1" lang="en-US" altLang="ja-JP" b="0" i="1" smtClean="0">
+                            <a:latin typeface="Cambria Math" panose="02040503050406030204" pitchFamily="18" charset="0"/>
+                          </a:rPr>
+                          <m:t>+</m:t>
+                        </m:r>
+                        <m:sSub>
+                          <m:sSubPr>
+                            <m:ctrlPr>
+                              <a:rPr kumimoji="1" lang="en-US" altLang="ja-JP" b="0" i="1" smtClean="0">
+                                <a:latin typeface="Cambria Math" panose="02040503050406030204" pitchFamily="18" charset="0"/>
+                              </a:rPr>
+                            </m:ctrlPr>
+                          </m:sSubPr>
+                          <m:e>
+                            <m:r>
+                              <a:rPr kumimoji="1" lang="en-US" altLang="ja-JP" b="0" i="1" smtClean="0">
+                                <a:latin typeface="Cambria Math" panose="02040503050406030204" pitchFamily="18" charset="0"/>
+                              </a:rPr>
+                              <m:t>𝑏</m:t>
+                            </m:r>
+                          </m:e>
+                          <m:sub>
+                            <m:r>
+                              <a:rPr kumimoji="1" lang="en-US" altLang="ja-JP" b="0" i="1" smtClean="0">
+                                <a:latin typeface="Cambria Math" panose="02040503050406030204" pitchFamily="18" charset="0"/>
+                              </a:rPr>
+                              <m:t>3</m:t>
+                            </m:r>
+                          </m:sub>
+                        </m:sSub>
+                      </m:e>
+                    </m:d>
+                    <m:r>
+                      <a:rPr kumimoji="1" lang="en-US" altLang="ja-JP" b="0" i="1" smtClean="0">
+                        <a:latin typeface="Cambria Math" panose="02040503050406030204" pitchFamily="18" charset="0"/>
+                      </a:rPr>
+                      <m:t>=</m:t>
+                    </m:r>
+                    <m:r>
+                      <a:rPr kumimoji="1" lang="en-US" altLang="ja-JP" b="0" i="1" smtClean="0">
+                        <a:latin typeface="Cambria Math" panose="02040503050406030204" pitchFamily="18" charset="0"/>
+                      </a:rPr>
+                      <m:t>𝑝𝑟𝑒𝑑𝑖𝑐𝑡𝑖𝑣𝑒</m:t>
+                    </m:r>
+                    <m:r>
+                      <a:rPr kumimoji="1" lang="en-US" altLang="ja-JP" b="0" i="1" smtClean="0">
+                        <a:latin typeface="Cambria Math" panose="02040503050406030204" pitchFamily="18" charset="0"/>
+                      </a:rPr>
+                      <m:t> </m:t>
+                    </m:r>
+                    <m:r>
+                      <a:rPr kumimoji="1" lang="en-US" altLang="ja-JP" b="0" i="1" smtClean="0">
+                        <a:latin typeface="Cambria Math" panose="02040503050406030204" pitchFamily="18" charset="0"/>
+                      </a:rPr>
+                      <m:t>𝑣𝑎𝑙𝑢𝑒</m:t>
+                    </m:r>
+                  </m:oMath>
+                </a14:m>
+                <a:endParaRPr kumimoji="1" lang="ja-JP" altLang="en-US" dirty="0"/>
+              </a:p>
+            </p:txBody>
+          </p:sp>
+        </mc:Choice>
+        <mc:Fallback>
+          <p:sp>
+            <p:nvSpPr>
+              <p:cNvPr id="3" name="コンテンツ プレースホルダー 2">
+                <a:extLst>
+                  <a:ext uri="{FF2B5EF4-FFF2-40B4-BE49-F238E27FC236}">
+                    <a16:creationId xmlns:a16="http://schemas.microsoft.com/office/drawing/2014/main" id="{0A96CB2E-DE70-9705-DC51-DBADAD0C28E8}"/>
+                  </a:ext>
+                </a:extLst>
+              </p:cNvPr>
+              <p:cNvSpPr>
+                <a:spLocks noGrp="1" noRot="1" noChangeAspect="1" noMove="1" noResize="1" noEditPoints="1" noAdjustHandles="1" noChangeArrowheads="1" noChangeShapeType="1" noTextEdit="1"/>
+              </p:cNvSpPr>
+              <p:nvPr>
+                <p:ph idx="1"/>
+              </p:nvPr>
+            </p:nvSpPr>
+            <p:spPr>
+              <a:blipFill>
+                <a:blip r:embed="rId2"/>
+                <a:stretch>
+                  <a:fillRect l="-1455" t="-972"/>
+                </a:stretch>
+              </a:blipFill>
+            </p:spPr>
+            <p:txBody>
+              <a:bodyPr/>
+              <a:lstStyle/>
+              <a:p>
+                <a:r>
+                  <a:rPr lang="ja-JP" altLang="en-US">
+                    <a:noFill/>
+                  </a:rPr>
+                  <a:t> </a:t>
+                </a:r>
+              </a:p>
+            </p:txBody>
+          </p:sp>
+        </mc:Fallback>
+      </mc:AlternateContent>
+      <p:pic>
+        <p:nvPicPr>
+          <p:cNvPr id="5" name="図 4">
+            <a:extLst>
+              <a:ext uri="{FF2B5EF4-FFF2-40B4-BE49-F238E27FC236}">
+                <a16:creationId xmlns:a16="http://schemas.microsoft.com/office/drawing/2014/main" id="{973FD9F0-F9E7-E912-1EB6-A952F5A26624}"/>
+              </a:ext>
+            </a:extLst>
+          </p:cNvPr>
+          <p:cNvPicPr>
+            <a:picLocks noChangeAspect="1"/>
+          </p:cNvPicPr>
+          <p:nvPr/>
+        </p:nvPicPr>
+        <p:blipFill>
+          <a:blip r:embed="rId3"/>
+          <a:stretch>
+            <a:fillRect/>
+          </a:stretch>
+        </p:blipFill>
+        <p:spPr>
+          <a:xfrm>
+            <a:off x="1097279" y="4145419"/>
+            <a:ext cx="5579835" cy="1450757"/>
+          </a:xfrm>
+          <a:prstGeom prst="rect">
+            <a:avLst/>
+          </a:prstGeom>
+        </p:spPr>
+      </p:pic>
+      <p:sp>
+        <p:nvSpPr>
+          <p:cNvPr id="6" name="テキスト ボックス 5">
+            <a:extLst>
+              <a:ext uri="{FF2B5EF4-FFF2-40B4-BE49-F238E27FC236}">
+                <a16:creationId xmlns:a16="http://schemas.microsoft.com/office/drawing/2014/main" id="{56EA8A6F-C6F6-9751-3C8C-BF5424A74BED}"/>
+              </a:ext>
+            </a:extLst>
+          </p:cNvPr>
+          <p:cNvSpPr txBox="1"/>
+          <p:nvPr/>
+        </p:nvSpPr>
+        <p:spPr>
+          <a:xfrm>
+            <a:off x="1097279" y="5708667"/>
+            <a:ext cx="4062549" cy="246221"/>
+          </a:xfrm>
+          <a:prstGeom prst="rect">
+            <a:avLst/>
+          </a:prstGeom>
+          <a:noFill/>
+        </p:spPr>
+        <p:txBody>
+          <a:bodyPr wrap="square" rtlCol="0">
+            <a:spAutoFit/>
+          </a:bodyPr>
+          <a:lstStyle/>
+          <a:p>
+            <a:r>
+              <a:rPr kumimoji="1" lang="en-US" altLang="ja-JP" sz="1000" dirty="0"/>
+              <a:t>Image: </a:t>
+            </a:r>
+            <a:r>
+              <a:rPr kumimoji="1" lang="ko-KR" altLang="en-US" sz="1000" dirty="0"/>
+              <a:t>딥 러닝을 이용한 자연어 처리 입문 </a:t>
+            </a:r>
+            <a:r>
+              <a:rPr kumimoji="1" lang="en-US" altLang="ko-KR" sz="1000" dirty="0"/>
+              <a:t>(</a:t>
+            </a:r>
+            <a:r>
+              <a:rPr kumimoji="1" lang="ko-KR" altLang="en-US" sz="1000" dirty="0"/>
+              <a:t>유원준</a:t>
+            </a:r>
+            <a:r>
+              <a:rPr kumimoji="1" lang="en-US" altLang="ko-KR" sz="1000" dirty="0"/>
+              <a:t>/</a:t>
+            </a:r>
+            <a:r>
+              <a:rPr kumimoji="1" lang="ko-KR" altLang="en-US" sz="1000" dirty="0"/>
+              <a:t>안상준 저</a:t>
+            </a:r>
+            <a:r>
+              <a:rPr kumimoji="1" lang="en-US" altLang="ko-KR" sz="1000" dirty="0"/>
+              <a:t>, 2022)</a:t>
+            </a:r>
+            <a:endParaRPr kumimoji="1" lang="ja-JP" altLang="en-US" sz="1000" dirty="0"/>
+          </a:p>
+        </p:txBody>
+      </p:sp>
+    </p:spTree>
+    <p:extLst>
+      <p:ext uri="{BB962C8B-B14F-4D97-AF65-F5344CB8AC3E}">
+        <p14:creationId xmlns:p14="http://schemas.microsoft.com/office/powerpoint/2010/main" val="2554799356"/>
+      </p:ext>
+    </p:extLst>
+  </p:cSld>
+  <p:clrMapOvr>
+    <a:masterClrMapping/>
+  </p:clrMapOvr>
+</p:sld>
+</file>
+
+<file path=ppt/slides/slide18.xml><?xml version="1.0" encoding="utf-8"?>
+<p:sld xmlns:a="http://schemas.openxmlformats.org/drawingml/2006/main" xmlns:r="http://schemas.openxmlformats.org/officeDocument/2006/relationships" xmlns:p="http://schemas.openxmlformats.org/presentationml/2006/main">
+  <p:cSld>
+    <p:spTree>
+      <p:nvGrpSpPr>
+        <p:cNvPr id="1" name=""/>
+        <p:cNvGrpSpPr/>
+        <p:nvPr/>
+      </p:nvGrpSpPr>
+      <p:grpSpPr>
+        <a:xfrm>
+          <a:off x="0" y="0"/>
+          <a:ext cx="0" cy="0"/>
+          <a:chOff x="0" y="0"/>
+          <a:chExt cx="0" cy="0"/>
+        </a:xfrm>
+      </p:grpSpPr>
+      <p:sp>
+        <p:nvSpPr>
+          <p:cNvPr id="2" name="タイトル 1">
+            <a:extLst>
+              <a:ext uri="{FF2B5EF4-FFF2-40B4-BE49-F238E27FC236}">
+                <a16:creationId xmlns:a16="http://schemas.microsoft.com/office/drawing/2014/main" id="{3FF5F787-F95A-6E91-FC48-7BCB06212D23}"/>
+              </a:ext>
+            </a:extLst>
+          </p:cNvPr>
+          <p:cNvSpPr>
+            <a:spLocks noGrp="1"/>
+          </p:cNvSpPr>
+          <p:nvPr>
+            <p:ph type="title"/>
+          </p:nvPr>
+        </p:nvSpPr>
+        <p:spPr/>
+        <p:txBody>
+          <a:bodyPr/>
+          <a:lstStyle/>
+          <a:p>
+            <a:r>
+              <a:rPr kumimoji="1" lang="ja-JP" altLang="en-US" dirty="0"/>
+              <a:t>多クラス分類問題で</a:t>
+            </a:r>
+            <a:br>
+              <a:rPr kumimoji="1" lang="en-US" altLang="ja-JP" dirty="0"/>
+            </a:br>
+            <a:r>
+              <a:rPr kumimoji="1" lang="en-US" altLang="ja-JP" dirty="0"/>
+              <a:t>One-Hot Vector</a:t>
+            </a:r>
+            <a:r>
+              <a:rPr kumimoji="1" lang="ja-JP" altLang="en-US" dirty="0"/>
+              <a:t>を使用する理由</a:t>
+            </a:r>
+          </a:p>
+        </p:txBody>
+      </p:sp>
+      <p:sp>
+        <p:nvSpPr>
+          <p:cNvPr id="3" name="コンテンツ プレースホルダー 2">
+            <a:extLst>
+              <a:ext uri="{FF2B5EF4-FFF2-40B4-BE49-F238E27FC236}">
+                <a16:creationId xmlns:a16="http://schemas.microsoft.com/office/drawing/2014/main" id="{E57CE1F1-7A43-2C8D-4E21-C4CC437FF203}"/>
+              </a:ext>
+            </a:extLst>
+          </p:cNvPr>
+          <p:cNvSpPr>
+            <a:spLocks noGrp="1"/>
+          </p:cNvSpPr>
+          <p:nvPr>
+            <p:ph idx="1"/>
+          </p:nvPr>
+        </p:nvSpPr>
+        <p:spPr/>
+        <p:txBody>
+          <a:bodyPr/>
+          <a:lstStyle/>
+          <a:p>
+            <a:r>
+              <a:rPr lang="ja-JP" altLang="en-US" dirty="0"/>
+              <a:t>クラスの間の関係が均等である。</a:t>
+            </a:r>
+            <a:endParaRPr lang="en-US" altLang="ja-JP" dirty="0"/>
+          </a:p>
+          <a:p>
+            <a:r>
+              <a:rPr lang="ja-JP" altLang="en-US" dirty="0"/>
+              <a:t>整数エンコーディングをした場合、ラベル</a:t>
+            </a:r>
+            <a:r>
+              <a:rPr lang="en-US" altLang="ja-JP" dirty="0"/>
+              <a:t>3</a:t>
+            </a:r>
+            <a:r>
+              <a:rPr lang="ja-JP" altLang="en-US" dirty="0"/>
+              <a:t>のクラスと</a:t>
+            </a:r>
+            <a:r>
+              <a:rPr lang="en-US" altLang="ja-JP" dirty="0"/>
+              <a:t>1</a:t>
+            </a:r>
+            <a:r>
+              <a:rPr lang="ja-JP" altLang="en-US" dirty="0"/>
+              <a:t>のクラスの間の差と、ラベル</a:t>
+            </a:r>
+            <a:r>
+              <a:rPr lang="en-US" altLang="ja-JP" dirty="0"/>
+              <a:t>2</a:t>
+            </a:r>
+            <a:r>
+              <a:rPr lang="ja-JP" altLang="en-US" dirty="0"/>
+              <a:t>のクラスと</a:t>
+            </a:r>
+            <a:r>
+              <a:rPr lang="en-US" altLang="ja-JP" dirty="0"/>
+              <a:t>1</a:t>
+            </a:r>
+            <a:r>
+              <a:rPr lang="ja-JP" altLang="en-US" dirty="0"/>
+              <a:t>のクラスの間の差に格差が広がってしまう。</a:t>
+            </a:r>
+            <a:endParaRPr lang="en-US" altLang="ja-JP" dirty="0"/>
+          </a:p>
+          <a:p>
+            <a:r>
+              <a:rPr kumimoji="1" lang="ja-JP" altLang="en-US" dirty="0"/>
+              <a:t>一般的に分類問題では各順番に意味はないため、差が均等であるべき。→</a:t>
+            </a:r>
+            <a:r>
+              <a:rPr lang="en-US" altLang="ja-JP" dirty="0"/>
+              <a:t> One-Hot Vector</a:t>
+            </a:r>
+            <a:endParaRPr kumimoji="1" lang="ja-JP" altLang="en-US" dirty="0"/>
+          </a:p>
+        </p:txBody>
+      </p:sp>
+    </p:spTree>
+    <p:extLst>
+      <p:ext uri="{BB962C8B-B14F-4D97-AF65-F5344CB8AC3E}">
+        <p14:creationId xmlns:p14="http://schemas.microsoft.com/office/powerpoint/2010/main" val="3587027316"/>
+      </p:ext>
+    </p:extLst>
+  </p:cSld>
+  <p:clrMapOvr>
+    <a:masterClrMapping/>
+  </p:clrMapOvr>
+</p:sld>
+</file>
+
+<file path=ppt/slides/slide19.xml><?xml version="1.0" encoding="utf-8"?>
+<p:sld xmlns:a="http://schemas.openxmlformats.org/drawingml/2006/main" xmlns:r="http://schemas.openxmlformats.org/officeDocument/2006/relationships" xmlns:p="http://schemas.openxmlformats.org/presentationml/2006/main">
+  <p:cSld>
+    <p:spTree>
+      <p:nvGrpSpPr>
+        <p:cNvPr id="1" name=""/>
+        <p:cNvGrpSpPr/>
+        <p:nvPr/>
+      </p:nvGrpSpPr>
+      <p:grpSpPr>
+        <a:xfrm>
+          <a:off x="0" y="0"/>
+          <a:ext cx="0" cy="0"/>
+          <a:chOff x="0" y="0"/>
+          <a:chExt cx="0" cy="0"/>
+        </a:xfrm>
+      </p:grpSpPr>
+      <p:sp>
+        <p:nvSpPr>
+          <p:cNvPr id="2" name="タイトル 1">
+            <a:extLst>
+              <a:ext uri="{FF2B5EF4-FFF2-40B4-BE49-F238E27FC236}">
+                <a16:creationId xmlns:a16="http://schemas.microsoft.com/office/drawing/2014/main" id="{5E117CBA-2ADD-1ECB-1EE7-44C8B4BF5735}"/>
+              </a:ext>
+            </a:extLst>
+          </p:cNvPr>
+          <p:cNvSpPr>
+            <a:spLocks noGrp="1"/>
+          </p:cNvSpPr>
+          <p:nvPr>
+            <p:ph type="title"/>
+          </p:nvPr>
+        </p:nvSpPr>
+        <p:spPr/>
+        <p:txBody>
+          <a:bodyPr/>
+          <a:lstStyle/>
+          <a:p>
+            <a:r>
+              <a:rPr kumimoji="1" lang="en-US" altLang="ja-JP" dirty="0"/>
+              <a:t>Cross entropy function</a:t>
+            </a:r>
+            <a:r>
+              <a:rPr lang="ja-JP" altLang="en-US" dirty="0"/>
+              <a:t> </a:t>
+            </a:r>
+            <a:r>
+              <a:rPr kumimoji="1" lang="en-US" altLang="ja-JP" dirty="0"/>
+              <a:t>for </a:t>
+            </a:r>
+            <a:r>
+              <a:rPr kumimoji="1" lang="en-US" altLang="ja-JP" dirty="0" err="1"/>
+              <a:t>Softmax</a:t>
+            </a:r>
+            <a:r>
+              <a:rPr kumimoji="1" lang="en-US" altLang="ja-JP" dirty="0"/>
+              <a:t> </a:t>
+            </a:r>
+            <a:endParaRPr kumimoji="1" lang="ja-JP" altLang="en-US" dirty="0"/>
+          </a:p>
+        </p:txBody>
+      </p:sp>
+      <mc:AlternateContent xmlns:mc="http://schemas.openxmlformats.org/markup-compatibility/2006">
+        <mc:Choice xmlns:a14="http://schemas.microsoft.com/office/drawing/2010/main" Requires="a14">
+          <p:sp>
+            <p:nvSpPr>
+              <p:cNvPr id="3" name="コンテンツ プレースホルダー 2">
+                <a:extLst>
+                  <a:ext uri="{FF2B5EF4-FFF2-40B4-BE49-F238E27FC236}">
+                    <a16:creationId xmlns:a16="http://schemas.microsoft.com/office/drawing/2014/main" id="{51D71B4C-CC69-528B-3437-7DCEBC7C8BDD}"/>
+                  </a:ext>
+                </a:extLst>
+              </p:cNvPr>
+              <p:cNvSpPr>
+                <a:spLocks noGrp="1"/>
+              </p:cNvSpPr>
+              <p:nvPr>
+                <p:ph idx="1"/>
+              </p:nvPr>
+            </p:nvSpPr>
+            <p:spPr/>
+            <p:txBody>
+              <a:bodyPr/>
+              <a:lstStyle/>
+              <a:p>
+                <a:r>
+                  <a:rPr kumimoji="1" lang="en-US" altLang="ja-JP" dirty="0"/>
+                  <a:t>y</a:t>
+                </a:r>
+                <a:r>
+                  <a:rPr lang="en-US" altLang="ja-JP" dirty="0"/>
+                  <a:t>=</a:t>
+                </a:r>
+                <a:r>
+                  <a:rPr lang="ja-JP" altLang="en-US" dirty="0"/>
+                  <a:t>実際値、　</a:t>
+                </a:r>
+                <a:r>
+                  <a:rPr lang="ko-KR" altLang="en-US" dirty="0"/>
+                  <a:t>ｋ</a:t>
+                </a:r>
+                <a:r>
+                  <a:rPr lang="en-US" altLang="ko-KR" dirty="0"/>
+                  <a:t>=</a:t>
+                </a:r>
+                <a:r>
+                  <a:rPr lang="ja-JP" altLang="en-US" dirty="0"/>
+                  <a:t>クラスの個数、　</a:t>
+                </a:r>
+                <a:endParaRPr lang="en-US" altLang="ja-JP" dirty="0"/>
+              </a:p>
+              <a:p>
+                <a14:m>
+                  <m:oMath xmlns:m="http://schemas.openxmlformats.org/officeDocument/2006/math">
+                    <m:sSub>
+                      <m:sSubPr>
+                        <m:ctrlPr>
+                          <a:rPr kumimoji="1" lang="en-US" altLang="ja-JP" i="1" smtClean="0">
+                            <a:latin typeface="Cambria Math" panose="02040503050406030204" pitchFamily="18" charset="0"/>
+                          </a:rPr>
+                        </m:ctrlPr>
+                      </m:sSubPr>
+                      <m:e>
+                        <m:r>
+                          <a:rPr kumimoji="1" lang="en-US" altLang="ja-JP" b="0" i="1" smtClean="0">
+                            <a:latin typeface="Cambria Math" panose="02040503050406030204" pitchFamily="18" charset="0"/>
+                          </a:rPr>
+                          <m:t>𝑦</m:t>
+                        </m:r>
+                      </m:e>
+                      <m:sub>
+                        <m:r>
+                          <a:rPr kumimoji="1" lang="en-US" altLang="ja-JP" b="0" i="1" smtClean="0">
+                            <a:latin typeface="Cambria Math" panose="02040503050406030204" pitchFamily="18" charset="0"/>
+                          </a:rPr>
+                          <m:t>𝑗</m:t>
+                        </m:r>
+                      </m:sub>
+                    </m:sSub>
+                    <m:r>
+                      <a:rPr kumimoji="1" lang="en-US" altLang="ja-JP" b="0" i="1" smtClean="0">
+                        <a:latin typeface="Cambria Math" panose="02040503050406030204" pitchFamily="18" charset="0"/>
+                      </a:rPr>
+                      <m:t>=</m:t>
+                    </m:r>
+                    <m:r>
+                      <a:rPr lang="ja-JP" altLang="en-US" i="1">
+                        <a:latin typeface="Cambria Math" panose="02040503050406030204" pitchFamily="18" charset="0"/>
+                      </a:rPr>
+                      <m:t>実際値</m:t>
+                    </m:r>
+                  </m:oMath>
+                </a14:m>
+                <a:r>
+                  <a:rPr kumimoji="1" lang="ko-KR" altLang="en-US" dirty="0"/>
+                  <a:t> </a:t>
+                </a:r>
+                <a:r>
+                  <a:rPr kumimoji="1" lang="en-US" altLang="ko-KR" dirty="0"/>
+                  <a:t>One-Hot Vector</a:t>
+                </a:r>
+                <a:r>
+                  <a:rPr lang="ja-JP" altLang="en-US" dirty="0"/>
+                  <a:t>からの </a:t>
+                </a:r>
+                <a:r>
+                  <a:rPr lang="en-US" altLang="ja-JP" dirty="0"/>
+                  <a:t>j</a:t>
+                </a:r>
+                <a:r>
+                  <a:rPr lang="ja-JP" altLang="en-US" dirty="0"/>
+                  <a:t>番目のインデクス</a:t>
+                </a:r>
+                <a:endParaRPr lang="en-US" altLang="ja-JP" dirty="0"/>
+              </a:p>
+              <a:p>
+                <a14:m>
+                  <m:oMath xmlns:m="http://schemas.openxmlformats.org/officeDocument/2006/math">
+                    <m:sSub>
+                      <m:sSubPr>
+                        <m:ctrlPr>
+                          <a:rPr kumimoji="1" lang="en-US" altLang="ja-JP" i="1" smtClean="0">
+                            <a:latin typeface="Cambria Math" panose="02040503050406030204" pitchFamily="18" charset="0"/>
+                          </a:rPr>
+                        </m:ctrlPr>
+                      </m:sSubPr>
+                      <m:e>
+                        <m:r>
+                          <a:rPr kumimoji="1" lang="en-US" altLang="ja-JP" b="0" i="1" smtClean="0">
+                            <a:latin typeface="Cambria Math" panose="02040503050406030204" pitchFamily="18" charset="0"/>
+                          </a:rPr>
+                          <m:t>𝑝</m:t>
+                        </m:r>
+                      </m:e>
+                      <m:sub>
+                        <m:r>
+                          <a:rPr kumimoji="1" lang="en-US" altLang="ja-JP" b="0" i="1" smtClean="0">
+                            <a:latin typeface="Cambria Math" panose="02040503050406030204" pitchFamily="18" charset="0"/>
+                          </a:rPr>
+                          <m:t>𝑗</m:t>
+                        </m:r>
+                      </m:sub>
+                    </m:sSub>
+                    <m:r>
+                      <a:rPr kumimoji="1" lang="en-US" altLang="ja-JP" b="0" i="1" smtClean="0">
+                        <a:latin typeface="Cambria Math" panose="02040503050406030204" pitchFamily="18" charset="0"/>
+                      </a:rPr>
+                      <m:t>=</m:t>
+                    </m:r>
+                  </m:oMath>
+                </a14:m>
+                <a:r>
+                  <a:rPr kumimoji="1" lang="ja-JP" altLang="en-US" dirty="0"/>
+                  <a:t> サンプルデータが</a:t>
+                </a:r>
+                <a:r>
+                  <a:rPr kumimoji="1" lang="ko-KR" altLang="en-US" dirty="0"/>
+                  <a:t> </a:t>
+                </a:r>
+                <a:r>
+                  <a:rPr kumimoji="1" lang="en-US" altLang="ja-JP" dirty="0"/>
+                  <a:t>j</a:t>
+                </a:r>
+                <a:r>
+                  <a:rPr kumimoji="1" lang="ja-JP" altLang="en-US" dirty="0"/>
+                  <a:t>番目のクラスである確率</a:t>
+                </a:r>
+                <a:endParaRPr kumimoji="1" lang="en-US" altLang="ja-JP" dirty="0"/>
+              </a:p>
+              <a:p>
+                <a14:m>
+                  <m:oMath xmlns:m="http://schemas.openxmlformats.org/officeDocument/2006/math">
+                    <m:r>
+                      <a:rPr kumimoji="1" lang="en-US" altLang="ja-JP" b="0" i="1" smtClean="0">
+                        <a:latin typeface="Cambria Math" panose="02040503050406030204" pitchFamily="18" charset="0"/>
+                      </a:rPr>
+                      <m:t>𝑐𝑜𝑠𝑡</m:t>
+                    </m:r>
+                    <m:r>
+                      <a:rPr kumimoji="1" lang="en-US" altLang="ja-JP" b="0" i="1" smtClean="0">
+                        <a:latin typeface="Cambria Math" panose="02040503050406030204" pitchFamily="18" charset="0"/>
+                      </a:rPr>
+                      <m:t>=−</m:t>
+                    </m:r>
+                    <m:nary>
+                      <m:naryPr>
+                        <m:chr m:val="∑"/>
+                        <m:ctrlPr>
+                          <a:rPr kumimoji="1" lang="en-US" altLang="ja-JP" b="0" i="1" smtClean="0">
+                            <a:latin typeface="Cambria Math" panose="02040503050406030204" pitchFamily="18" charset="0"/>
+                          </a:rPr>
+                        </m:ctrlPr>
+                      </m:naryPr>
+                      <m:sub>
+                        <m:r>
+                          <m:rPr>
+                            <m:brk m:alnAt="23"/>
+                          </m:rPr>
+                          <a:rPr kumimoji="1" lang="en-US" altLang="ja-JP" b="0" i="1" smtClean="0">
+                            <a:latin typeface="Cambria Math" panose="02040503050406030204" pitchFamily="18" charset="0"/>
+                          </a:rPr>
+                          <m:t>𝑗</m:t>
+                        </m:r>
+                        <m:r>
+                          <a:rPr kumimoji="1" lang="en-US" altLang="ja-JP" b="0" i="1" smtClean="0">
+                            <a:latin typeface="Cambria Math" panose="02040503050406030204" pitchFamily="18" charset="0"/>
+                          </a:rPr>
+                          <m:t>=1</m:t>
+                        </m:r>
+                      </m:sub>
+                      <m:sup>
+                        <m:r>
+                          <a:rPr kumimoji="1" lang="en-US" altLang="ja-JP" b="0" i="1" smtClean="0">
+                            <a:latin typeface="Cambria Math" panose="02040503050406030204" pitchFamily="18" charset="0"/>
+                          </a:rPr>
+                          <m:t>𝑘</m:t>
+                        </m:r>
+                      </m:sup>
+                      <m:e>
+                        <m:sSub>
+                          <m:sSubPr>
+                            <m:ctrlPr>
+                              <a:rPr kumimoji="1" lang="en-US" altLang="ja-JP" b="0" i="1" smtClean="0">
+                                <a:latin typeface="Cambria Math" panose="02040503050406030204" pitchFamily="18" charset="0"/>
+                              </a:rPr>
+                            </m:ctrlPr>
+                          </m:sSubPr>
+                          <m:e>
+                            <m:r>
+                              <a:rPr kumimoji="1" lang="en-US" altLang="ja-JP" b="0" i="1" smtClean="0">
+                                <a:latin typeface="Cambria Math" panose="02040503050406030204" pitchFamily="18" charset="0"/>
+                              </a:rPr>
+                              <m:t>𝑦</m:t>
+                            </m:r>
+                          </m:e>
+                          <m:sub>
+                            <m:r>
+                              <a:rPr kumimoji="1" lang="en-US" altLang="ja-JP" b="0" i="1" smtClean="0">
+                                <a:latin typeface="Cambria Math" panose="02040503050406030204" pitchFamily="18" charset="0"/>
+                              </a:rPr>
+                              <m:t>𝑗</m:t>
+                            </m:r>
+                          </m:sub>
+                        </m:sSub>
+                        <m:r>
+                          <m:rPr>
+                            <m:sty m:val="p"/>
+                          </m:rPr>
+                          <a:rPr kumimoji="1" lang="en-US" altLang="ja-JP" b="0" i="0" smtClean="0">
+                            <a:latin typeface="Cambria Math" panose="02040503050406030204" pitchFamily="18" charset="0"/>
+                          </a:rPr>
+                          <m:t>log</m:t>
+                        </m:r>
+                        <m:r>
+                          <a:rPr kumimoji="1" lang="en-US" altLang="ja-JP" b="0" i="1" smtClean="0">
+                            <a:latin typeface="Cambria Math" panose="02040503050406030204" pitchFamily="18" charset="0"/>
+                          </a:rPr>
+                          <m:t>⁡(</m:t>
+                        </m:r>
+                        <m:sSub>
+                          <m:sSubPr>
+                            <m:ctrlPr>
+                              <a:rPr kumimoji="1" lang="en-US" altLang="ja-JP" b="0" i="1" smtClean="0">
+                                <a:latin typeface="Cambria Math" panose="02040503050406030204" pitchFamily="18" charset="0"/>
+                              </a:rPr>
+                            </m:ctrlPr>
+                          </m:sSubPr>
+                          <m:e>
+                            <m:r>
+                              <a:rPr kumimoji="1" lang="en-US" altLang="ja-JP" b="0" i="1" smtClean="0">
+                                <a:latin typeface="Cambria Math" panose="02040503050406030204" pitchFamily="18" charset="0"/>
+                              </a:rPr>
+                              <m:t>𝑝</m:t>
+                            </m:r>
+                          </m:e>
+                          <m:sub>
+                            <m:r>
+                              <a:rPr kumimoji="1" lang="en-US" altLang="ja-JP" b="0" i="1" smtClean="0">
+                                <a:latin typeface="Cambria Math" panose="02040503050406030204" pitchFamily="18" charset="0"/>
+                              </a:rPr>
+                              <m:t>𝑗</m:t>
+                            </m:r>
+                          </m:sub>
+                        </m:sSub>
+                        <m:r>
+                          <a:rPr kumimoji="1" lang="en-US" altLang="ja-JP" b="0" i="1" smtClean="0">
+                            <a:latin typeface="Cambria Math" panose="02040503050406030204" pitchFamily="18" charset="0"/>
+                          </a:rPr>
+                          <m:t>)</m:t>
+                        </m:r>
+                      </m:e>
+                    </m:nary>
+                  </m:oMath>
+                </a14:m>
+                <a:endParaRPr kumimoji="1" lang="en-US" altLang="ja-JP" dirty="0"/>
+              </a:p>
+              <a:p>
+                <a:r>
+                  <a:rPr kumimoji="1" lang="ja-JP" altLang="en-US" dirty="0"/>
+                  <a:t>全体データへの平均</a:t>
+                </a:r>
+                <a:endParaRPr kumimoji="1" lang="en-US" altLang="ja-JP" dirty="0"/>
+              </a:p>
+              <a:p>
+                <a14:m>
+                  <m:oMath xmlns:m="http://schemas.openxmlformats.org/officeDocument/2006/math">
+                    <m:r>
+                      <a:rPr kumimoji="1" lang="en-US" altLang="ja-JP" b="0" i="1" smtClean="0">
+                        <a:latin typeface="Cambria Math" panose="02040503050406030204" pitchFamily="18" charset="0"/>
+                      </a:rPr>
+                      <m:t>𝑐𝑜𝑠𝑡</m:t>
+                    </m:r>
+                    <m:r>
+                      <a:rPr kumimoji="1" lang="en-US" altLang="ja-JP" b="0" i="1" smtClean="0">
+                        <a:latin typeface="Cambria Math" panose="02040503050406030204" pitchFamily="18" charset="0"/>
+                      </a:rPr>
+                      <m:t>=−</m:t>
+                    </m:r>
+                    <m:f>
+                      <m:fPr>
+                        <m:ctrlPr>
+                          <a:rPr kumimoji="1" lang="en-US" altLang="ja-JP" b="0" i="1" smtClean="0">
+                            <a:latin typeface="Cambria Math" panose="02040503050406030204" pitchFamily="18" charset="0"/>
+                          </a:rPr>
+                        </m:ctrlPr>
+                      </m:fPr>
+                      <m:num>
+                        <m:r>
+                          <a:rPr kumimoji="1" lang="en-US" altLang="ja-JP" b="0" i="1" smtClean="0">
+                            <a:latin typeface="Cambria Math" panose="02040503050406030204" pitchFamily="18" charset="0"/>
+                          </a:rPr>
+                          <m:t>1</m:t>
+                        </m:r>
+                      </m:num>
+                      <m:den>
+                        <m:r>
+                          <a:rPr kumimoji="1" lang="en-US" altLang="ja-JP" b="0" i="1" smtClean="0">
+                            <a:latin typeface="Cambria Math" panose="02040503050406030204" pitchFamily="18" charset="0"/>
+                          </a:rPr>
+                          <m:t>𝑛</m:t>
+                        </m:r>
+                      </m:den>
+                    </m:f>
+                    <m:nary>
+                      <m:naryPr>
+                        <m:chr m:val="∑"/>
+                        <m:ctrlPr>
+                          <a:rPr kumimoji="1" lang="en-US" altLang="ja-JP" b="0" i="1" smtClean="0">
+                            <a:latin typeface="Cambria Math" panose="02040503050406030204" pitchFamily="18" charset="0"/>
+                          </a:rPr>
+                        </m:ctrlPr>
+                      </m:naryPr>
+                      <m:sub>
+                        <m:r>
+                          <m:rPr>
+                            <m:brk m:alnAt="23"/>
+                          </m:rPr>
+                          <a:rPr kumimoji="1" lang="en-US" altLang="ja-JP" b="0" i="1" smtClean="0">
+                            <a:latin typeface="Cambria Math" panose="02040503050406030204" pitchFamily="18" charset="0"/>
+                          </a:rPr>
+                          <m:t>𝑖</m:t>
+                        </m:r>
+                        <m:r>
+                          <a:rPr kumimoji="1" lang="en-US" altLang="ja-JP" b="0" i="1" smtClean="0">
+                            <a:latin typeface="Cambria Math" panose="02040503050406030204" pitchFamily="18" charset="0"/>
+                          </a:rPr>
+                          <m:t>=1</m:t>
+                        </m:r>
+                      </m:sub>
+                      <m:sup>
+                        <m:r>
+                          <a:rPr kumimoji="1" lang="en-US" altLang="ja-JP" b="0" i="1" smtClean="0">
+                            <a:latin typeface="Cambria Math" panose="02040503050406030204" pitchFamily="18" charset="0"/>
+                          </a:rPr>
+                          <m:t>𝑛</m:t>
+                        </m:r>
+                      </m:sup>
+                      <m:e>
+                        <m:nary>
+                          <m:naryPr>
+                            <m:chr m:val="∑"/>
+                            <m:ctrlPr>
+                              <a:rPr lang="en-US" altLang="ja-JP" i="1">
+                                <a:latin typeface="Cambria Math" panose="02040503050406030204" pitchFamily="18" charset="0"/>
+                              </a:rPr>
+                            </m:ctrlPr>
+                          </m:naryPr>
+                          <m:sub>
+                            <m:r>
+                              <m:rPr>
+                                <m:brk m:alnAt="23"/>
+                              </m:rPr>
+                              <a:rPr lang="en-US" altLang="ja-JP" i="1">
+                                <a:latin typeface="Cambria Math" panose="02040503050406030204" pitchFamily="18" charset="0"/>
+                              </a:rPr>
+                              <m:t>𝑗</m:t>
+                            </m:r>
+                            <m:r>
+                              <a:rPr lang="en-US" altLang="ja-JP" i="1">
+                                <a:latin typeface="Cambria Math" panose="02040503050406030204" pitchFamily="18" charset="0"/>
+                              </a:rPr>
+                              <m:t>=1</m:t>
+                            </m:r>
+                          </m:sub>
+                          <m:sup>
+                            <m:r>
+                              <a:rPr lang="en-US" altLang="ja-JP" i="1">
+                                <a:latin typeface="Cambria Math" panose="02040503050406030204" pitchFamily="18" charset="0"/>
+                              </a:rPr>
+                              <m:t>𝑘</m:t>
+                            </m:r>
+                          </m:sup>
+                          <m:e>
+                            <m:sSubSup>
+                              <m:sSubSupPr>
+                                <m:ctrlPr>
+                                  <a:rPr lang="en-US" altLang="ja-JP" i="1" smtClean="0">
+                                    <a:latin typeface="Cambria Math" panose="02040503050406030204" pitchFamily="18" charset="0"/>
+                                  </a:rPr>
+                                </m:ctrlPr>
+                              </m:sSubSupPr>
+                              <m:e>
+                                <m:r>
+                                  <a:rPr lang="en-US" altLang="ja-JP" b="0" i="1" smtClean="0">
+                                    <a:latin typeface="Cambria Math" panose="02040503050406030204" pitchFamily="18" charset="0"/>
+                                  </a:rPr>
+                                  <m:t>𝑦</m:t>
+                                </m:r>
+                              </m:e>
+                              <m:sub>
+                                <m:r>
+                                  <a:rPr lang="en-US" altLang="ja-JP" b="0" i="1" smtClean="0">
+                                    <a:latin typeface="Cambria Math" panose="02040503050406030204" pitchFamily="18" charset="0"/>
+                                  </a:rPr>
+                                  <m:t>𝑗</m:t>
+                                </m:r>
+                              </m:sub>
+                              <m:sup>
+                                <m:r>
+                                  <a:rPr lang="en-US" altLang="ja-JP" b="0" i="1" smtClean="0">
+                                    <a:latin typeface="Cambria Math" panose="02040503050406030204" pitchFamily="18" charset="0"/>
+                                  </a:rPr>
+                                  <m:t>(</m:t>
+                                </m:r>
+                                <m:r>
+                                  <a:rPr lang="en-US" altLang="ja-JP" b="0" i="1" smtClean="0">
+                                    <a:latin typeface="Cambria Math" panose="02040503050406030204" pitchFamily="18" charset="0"/>
+                                  </a:rPr>
+                                  <m:t>𝑖</m:t>
+                                </m:r>
+                                <m:r>
+                                  <a:rPr lang="en-US" altLang="ja-JP" b="0" i="1" smtClean="0">
+                                    <a:latin typeface="Cambria Math" panose="02040503050406030204" pitchFamily="18" charset="0"/>
+                                  </a:rPr>
+                                  <m:t>)</m:t>
+                                </m:r>
+                              </m:sup>
+                            </m:sSubSup>
+                            <m:r>
+                              <m:rPr>
+                                <m:sty m:val="p"/>
+                              </m:rPr>
+                              <a:rPr lang="en-US" altLang="ja-JP">
+                                <a:latin typeface="Cambria Math" panose="02040503050406030204" pitchFamily="18" charset="0"/>
+                              </a:rPr>
+                              <m:t>log</m:t>
+                            </m:r>
+                            <m:r>
+                              <a:rPr lang="en-US" altLang="ja-JP" i="1">
+                                <a:latin typeface="Cambria Math" panose="02040503050406030204" pitchFamily="18" charset="0"/>
+                              </a:rPr>
+                              <m:t>⁡(</m:t>
+                            </m:r>
+                            <m:sSubSup>
+                              <m:sSubSupPr>
+                                <m:ctrlPr>
+                                  <a:rPr lang="en-US" altLang="ja-JP" i="1" smtClean="0">
+                                    <a:latin typeface="Cambria Math" panose="02040503050406030204" pitchFamily="18" charset="0"/>
+                                  </a:rPr>
+                                </m:ctrlPr>
+                              </m:sSubSupPr>
+                              <m:e>
+                                <m:r>
+                                  <a:rPr lang="en-US" altLang="ja-JP" b="0" i="1" smtClean="0">
+                                    <a:latin typeface="Cambria Math" panose="02040503050406030204" pitchFamily="18" charset="0"/>
+                                  </a:rPr>
+                                  <m:t>𝑝</m:t>
+                                </m:r>
+                              </m:e>
+                              <m:sub>
+                                <m:r>
+                                  <a:rPr lang="en-US" altLang="ja-JP" b="0" i="1" smtClean="0">
+                                    <a:latin typeface="Cambria Math" panose="02040503050406030204" pitchFamily="18" charset="0"/>
+                                  </a:rPr>
+                                  <m:t>𝑗</m:t>
+                                </m:r>
+                              </m:sub>
+                              <m:sup>
+                                <m:r>
+                                  <a:rPr lang="en-US" altLang="ja-JP" b="0" i="1" smtClean="0">
+                                    <a:latin typeface="Cambria Math" panose="02040503050406030204" pitchFamily="18" charset="0"/>
+                                  </a:rPr>
+                                  <m:t>(</m:t>
+                                </m:r>
+                                <m:r>
+                                  <a:rPr lang="en-US" altLang="ja-JP" b="0" i="1" smtClean="0">
+                                    <a:latin typeface="Cambria Math" panose="02040503050406030204" pitchFamily="18" charset="0"/>
+                                  </a:rPr>
+                                  <m:t>𝑖</m:t>
+                                </m:r>
+                                <m:r>
+                                  <a:rPr lang="en-US" altLang="ja-JP" b="0" i="1" smtClean="0">
+                                    <a:latin typeface="Cambria Math" panose="02040503050406030204" pitchFamily="18" charset="0"/>
+                                  </a:rPr>
+                                  <m:t>)</m:t>
+                                </m:r>
+                              </m:sup>
+                            </m:sSubSup>
+                            <m:r>
+                              <a:rPr lang="en-US" altLang="ja-JP" i="1">
+                                <a:latin typeface="Cambria Math" panose="02040503050406030204" pitchFamily="18" charset="0"/>
+                              </a:rPr>
+                              <m:t>)</m:t>
+                            </m:r>
+                          </m:e>
+                        </m:nary>
+                      </m:e>
+                    </m:nary>
+                  </m:oMath>
+                </a14:m>
+                <a:endParaRPr kumimoji="1" lang="en-US" altLang="ja-JP" dirty="0"/>
+              </a:p>
+              <a:p>
+                <a:r>
+                  <a:rPr kumimoji="1" lang="en-US" altLang="ja-JP" dirty="0"/>
+                  <a:t>Logistic</a:t>
+                </a:r>
+                <a:r>
+                  <a:rPr kumimoji="1" lang="ja-JP" altLang="en-US" dirty="0"/>
+                  <a:t>回帰で</a:t>
+                </a:r>
+                <a:r>
+                  <a:rPr kumimoji="1" lang="ko-KR" altLang="en-US" dirty="0"/>
+                  <a:t>扱った</a:t>
+                </a:r>
+                <a:r>
+                  <a:rPr kumimoji="1" lang="en-US" altLang="ko-KR" dirty="0"/>
+                  <a:t>Cross entropy function</a:t>
+                </a:r>
+                <a:r>
+                  <a:rPr kumimoji="1" lang="ja-JP" altLang="en-US" dirty="0"/>
+                  <a:t>で</a:t>
+                </a:r>
+                <a:r>
+                  <a:rPr lang="ko-KR" altLang="en-US" dirty="0"/>
+                  <a:t>２</a:t>
+                </a:r>
+                <a:r>
+                  <a:rPr lang="ja-JP" altLang="en-US" dirty="0"/>
+                  <a:t>が</a:t>
+                </a:r>
+                <a:r>
+                  <a:rPr lang="en-US" altLang="ja-JP" dirty="0"/>
+                  <a:t> k</a:t>
+                </a:r>
+                <a:r>
+                  <a:rPr lang="ja-JP" altLang="en-US" dirty="0"/>
+                  <a:t>になっただけ。</a:t>
+                </a:r>
+                <a:endParaRPr kumimoji="1" lang="en-US" altLang="ja-JP" dirty="0"/>
+              </a:p>
+            </p:txBody>
+          </p:sp>
+        </mc:Choice>
+        <mc:Fallback>
+          <p:sp>
+            <p:nvSpPr>
+              <p:cNvPr id="3" name="コンテンツ プレースホルダー 2">
+                <a:extLst>
+                  <a:ext uri="{FF2B5EF4-FFF2-40B4-BE49-F238E27FC236}">
+                    <a16:creationId xmlns:a16="http://schemas.microsoft.com/office/drawing/2014/main" id="{51D71B4C-CC69-528B-3437-7DCEBC7C8BDD}"/>
+                  </a:ext>
+                </a:extLst>
+              </p:cNvPr>
+              <p:cNvSpPr>
+                <a:spLocks noGrp="1" noRot="1" noChangeAspect="1" noMove="1" noResize="1" noEditPoints="1" noAdjustHandles="1" noChangeArrowheads="1" noChangeShapeType="1" noTextEdit="1"/>
+              </p:cNvSpPr>
+              <p:nvPr>
+                <p:ph idx="1"/>
+              </p:nvPr>
+            </p:nvSpPr>
+            <p:spPr>
+              <a:blipFill>
+                <a:blip r:embed="rId2"/>
+                <a:stretch>
+                  <a:fillRect l="-1455" t="-972" b="-810"/>
+                </a:stretch>
+              </a:blipFill>
+            </p:spPr>
+            <p:txBody>
+              <a:bodyPr/>
+              <a:lstStyle/>
+              <a:p>
+                <a:r>
+                  <a:rPr lang="ja-JP" altLang="en-US">
+                    <a:noFill/>
+                  </a:rPr>
+                  <a:t> </a:t>
+                </a:r>
+              </a:p>
+            </p:txBody>
+          </p:sp>
+        </mc:Fallback>
+      </mc:AlternateContent>
+    </p:spTree>
+    <p:extLst>
+      <p:ext uri="{BB962C8B-B14F-4D97-AF65-F5344CB8AC3E}">
+        <p14:creationId xmlns:p14="http://schemas.microsoft.com/office/powerpoint/2010/main" val="162639325"/>
+      </p:ext>
+    </p:extLst>
+  </p:cSld>
+  <p:clrMapOvr>
+    <a:masterClrMapping/>
+  </p:clrMapOvr>
+</p:sld>
+</file>
+
 <file path=ppt/slides/slide2.xml><?xml version="1.0" encoding="utf-8"?>
 <p:sld xmlns:a="http://schemas.openxmlformats.org/drawingml/2006/main" xmlns:r="http://schemas.openxmlformats.org/officeDocument/2006/relationships" xmlns:p="http://schemas.openxmlformats.org/presentationml/2006/main">
   <p:cSld>
@@ -10834,6 +14315,98 @@
     <p:extLst>
       <p:ext uri="{BB962C8B-B14F-4D97-AF65-F5344CB8AC3E}">
         <p14:creationId xmlns:p14="http://schemas.microsoft.com/office/powerpoint/2010/main" val="1469497147"/>
+      </p:ext>
+    </p:extLst>
+  </p:cSld>
+  <p:clrMapOvr>
+    <a:masterClrMapping/>
+  </p:clrMapOvr>
+</p:sld>
+</file>
+
+<file path=ppt/slides/slide20.xml><?xml version="1.0" encoding="utf-8"?>
+<p:sld xmlns:a="http://schemas.openxmlformats.org/drawingml/2006/main" xmlns:r="http://schemas.openxmlformats.org/officeDocument/2006/relationships" xmlns:p="http://schemas.openxmlformats.org/presentationml/2006/main">
+  <p:cSld>
+    <p:spTree>
+      <p:nvGrpSpPr>
+        <p:cNvPr id="1" name=""/>
+        <p:cNvGrpSpPr/>
+        <p:nvPr/>
+      </p:nvGrpSpPr>
+      <p:grpSpPr>
+        <a:xfrm>
+          <a:off x="0" y="0"/>
+          <a:ext cx="0" cy="0"/>
+          <a:chOff x="0" y="0"/>
+          <a:chExt cx="0" cy="0"/>
+        </a:xfrm>
+      </p:grpSpPr>
+      <p:sp>
+        <p:nvSpPr>
+          <p:cNvPr id="2" name="タイトル 1">
+            <a:extLst>
+              <a:ext uri="{FF2B5EF4-FFF2-40B4-BE49-F238E27FC236}">
+                <a16:creationId xmlns:a16="http://schemas.microsoft.com/office/drawing/2014/main" id="{793908BC-7B5B-4BAE-1739-6AA56919D5DC}"/>
+              </a:ext>
+            </a:extLst>
+          </p:cNvPr>
+          <p:cNvSpPr>
+            <a:spLocks noGrp="1"/>
+          </p:cNvSpPr>
+          <p:nvPr>
+            <p:ph type="title"/>
+          </p:nvPr>
+        </p:nvSpPr>
+        <p:spPr/>
+        <p:txBody>
+          <a:bodyPr/>
+          <a:lstStyle/>
+          <a:p>
+            <a:r>
+              <a:rPr kumimoji="1" lang="ja-JP" altLang="en-US" dirty="0"/>
+              <a:t>実習</a:t>
+            </a:r>
+            <a:r>
+              <a:rPr kumimoji="1" lang="en-US" altLang="ja-JP" dirty="0"/>
+              <a:t>: </a:t>
+            </a:r>
+            <a:r>
+              <a:rPr lang="ja-JP" altLang="en-US" dirty="0"/>
+              <a:t>ハナアヤメ</a:t>
+            </a:r>
+            <a:endParaRPr kumimoji="1" lang="ja-JP" altLang="en-US" dirty="0"/>
+          </a:p>
+        </p:txBody>
+      </p:sp>
+      <p:sp>
+        <p:nvSpPr>
+          <p:cNvPr id="3" name="コンテンツ プレースホルダー 2">
+            <a:extLst>
+              <a:ext uri="{FF2B5EF4-FFF2-40B4-BE49-F238E27FC236}">
+                <a16:creationId xmlns:a16="http://schemas.microsoft.com/office/drawing/2014/main" id="{CA90AA5E-70D1-83FF-17B5-7C1BA8834C7A}"/>
+              </a:ext>
+            </a:extLst>
+          </p:cNvPr>
+          <p:cNvSpPr>
+            <a:spLocks noGrp="1"/>
+          </p:cNvSpPr>
+          <p:nvPr>
+            <p:ph idx="1"/>
+          </p:nvPr>
+        </p:nvSpPr>
+        <p:spPr/>
+        <p:txBody>
+          <a:bodyPr/>
+          <a:lstStyle/>
+          <a:p>
+            <a:endParaRPr kumimoji="1" lang="ja-JP" altLang="en-US"/>
+          </a:p>
+        </p:txBody>
+      </p:sp>
+    </p:spTree>
+    <p:extLst>
+      <p:ext uri="{BB962C8B-B14F-4D97-AF65-F5344CB8AC3E}">
+        <p14:creationId xmlns:p14="http://schemas.microsoft.com/office/powerpoint/2010/main" val="1936202673"/>
       </p:ext>
     </p:extLst>
   </p:cSld>
